--- a/MyTraining/Individual development/مدیریت منابع انسانی.pptx
+++ b/MyTraining/Individual development/مدیریت منابع انسانی.pptx
@@ -14,7 +14,9 @@
     <p:sldId id="268" r:id="rId11"/>
     <p:sldId id="270" r:id="rId12"/>
     <p:sldId id="269" r:id="rId13"/>
-    <p:sldId id="260" r:id="rId14"/>
+    <p:sldId id="271" r:id="rId14"/>
+    <p:sldId id="272" r:id="rId15"/>
+    <p:sldId id="260" r:id="rId16"/>
   </p:sldIdLst>
   <p:sldSz cx="12192000" cy="6858000"/>
   <p:notesSz cx="6858000" cy="9144000"/>
@@ -317,7 +319,7 @@
           <a:p>
             <a:fld id="{9AB3A824-1A51-4B26-AD58-A6D8E14F6C04}" type="datetimeFigureOut">
               <a:rPr lang="en-US" noProof="0" smtClean="0"/>
-              <a:t>6/11/2019</a:t>
+              <a:t>6/19/2019</a:t>
             </a:fld>
             <a:endParaRPr lang="en-US" noProof="0" dirty="0"/>
           </a:p>
@@ -542,7 +544,7 @@
           <a:p>
             <a:fld id="{D857E33E-8B18-4087-B112-809917729534}" type="datetimeFigureOut">
               <a:rPr lang="en-US" noProof="0" smtClean="0"/>
-              <a:t>6/11/2019</a:t>
+              <a:t>6/19/2019</a:t>
             </a:fld>
             <a:endParaRPr lang="en-US" noProof="0" dirty="0"/>
           </a:p>
@@ -726,7 +728,7 @@
           <a:p>
             <a:fld id="{D3FFE419-2371-464F-8239-3959401C3561}" type="datetimeFigureOut">
               <a:rPr lang="en-US" noProof="0" smtClean="0"/>
-              <a:t>6/11/2019</a:t>
+              <a:t>6/19/2019</a:t>
             </a:fld>
             <a:endParaRPr lang="en-US" noProof="0" dirty="0"/>
           </a:p>
@@ -900,7 +902,7 @@
           <a:p>
             <a:fld id="{97D162C4-EDD9-4389-A98B-B87ECEA2A816}" type="datetimeFigureOut">
               <a:rPr lang="en-US" noProof="0" smtClean="0"/>
-              <a:t>6/11/2019</a:t>
+              <a:t>6/19/2019</a:t>
             </a:fld>
             <a:endParaRPr lang="en-US" noProof="0" dirty="0"/>
           </a:p>
@@ -1155,7 +1157,7 @@
           <a:p>
             <a:fld id="{3E5059C3-6A89-4494-99FF-5A4D6FFD50EB}" type="datetimeFigureOut">
               <a:rPr lang="en-US" noProof="0" smtClean="0"/>
-              <a:t>6/11/2019</a:t>
+              <a:t>6/19/2019</a:t>
             </a:fld>
             <a:endParaRPr lang="en-US" noProof="0" dirty="0"/>
           </a:p>
@@ -1482,7 +1484,7 @@
           <a:p>
             <a:fld id="{CA954B2F-12DE-47F5-8894-472B206D2E1E}" type="datetimeFigureOut">
               <a:rPr lang="en-US" noProof="0" smtClean="0"/>
-              <a:t>6/11/2019</a:t>
+              <a:t>6/19/2019</a:t>
             </a:fld>
             <a:endParaRPr lang="en-US" noProof="0" dirty="0"/>
           </a:p>
@@ -1910,7 +1912,7 @@
           <a:p>
             <a:fld id="{3CBC1C18-307B-4F68-A007-B5B542270E8D}" type="datetimeFigureOut">
               <a:rPr lang="en-US" noProof="0" smtClean="0"/>
-              <a:t>6/11/2019</a:t>
+              <a:t>6/19/2019</a:t>
             </a:fld>
             <a:endParaRPr lang="en-US" noProof="0" dirty="0"/>
           </a:p>
@@ -2034,7 +2036,7 @@
           <a:p>
             <a:fld id="{1FAF3416-4057-4DAA-829D-4CA07428D088}" type="datetimeFigureOut">
               <a:rPr lang="en-US" noProof="0" smtClean="0"/>
-              <a:t>6/11/2019</a:t>
+              <a:t>6/19/2019</a:t>
             </a:fld>
             <a:endParaRPr lang="en-US" noProof="0" dirty="0"/>
           </a:p>
@@ -2133,7 +2135,7 @@
           <a:p>
             <a:fld id="{921D9284-D300-4297-87F7-E791DCC15DB1}" type="datetimeFigureOut">
               <a:rPr lang="en-US" noProof="0" smtClean="0"/>
-              <a:t>6/11/2019</a:t>
+              <a:t>6/19/2019</a:t>
             </a:fld>
             <a:endParaRPr lang="en-US" noProof="0" dirty="0"/>
           </a:p>
@@ -2427,7 +2429,7 @@
           <a:p>
             <a:fld id="{37D525BB-DA17-4BA0-B3C8-3AC3ABC827E6}" type="datetimeFigureOut">
               <a:rPr lang="en-US" noProof="0" smtClean="0"/>
-              <a:t>6/11/2019</a:t>
+              <a:t>6/19/2019</a:t>
             </a:fld>
             <a:endParaRPr lang="en-US" noProof="0" dirty="0"/>
           </a:p>
@@ -2703,7 +2705,7 @@
           <a:p>
             <a:fld id="{B16C4C9A-3960-41CF-A4E9-2A8FB932454B}" type="datetimeFigureOut">
               <a:rPr lang="en-US" noProof="0" smtClean="0"/>
-              <a:t>6/11/2019</a:t>
+              <a:t>6/19/2019</a:t>
             </a:fld>
             <a:endParaRPr lang="en-US" noProof="0" dirty="0"/>
           </a:p>
@@ -2960,7 +2962,7 @@
           <a:p>
             <a:fld id="{3CBC1C18-307B-4F68-A007-B5B542270E8D}" type="datetimeFigureOut">
               <a:rPr lang="en-US" noProof="0" smtClean="0"/>
-              <a:t>6/11/2019</a:t>
+              <a:t>6/19/2019</a:t>
             </a:fld>
             <a:endParaRPr lang="en-US" noProof="0" dirty="0"/>
           </a:p>
@@ -3443,7 +3445,7 @@
                 <a16:creationId xmlns:a16="http://schemas.microsoft.com/office/drawing/2014/main" id="{63FED537-3AF1-4C36-9904-77B6A54D27B5}"/>
               </a:ext>
               <a:ext uri="{C183D7F6-B498-43B3-948B-1728B52AA6E4}">
-                <adec:decorative xmlns="" xmlns:adec="http://schemas.microsoft.com/office/drawing/2017/decorative" val="1"/>
+                <adec:decorative xmlns:adec="http://schemas.microsoft.com/office/drawing/2017/decorative" xmlns="" val="1"/>
               </a:ext>
             </a:extLst>
           </p:cNvPr>
@@ -3628,6 +3630,234 @@
 <file path=ppt/slides/slide10.xml><?xml version="1.0" encoding="utf-8"?>
 <p:sld xmlns:a="http://schemas.openxmlformats.org/drawingml/2006/main" xmlns:r="http://schemas.openxmlformats.org/officeDocument/2006/relationships" xmlns:p="http://schemas.openxmlformats.org/presentationml/2006/main">
   <p:cSld>
+    <p:spTree>
+      <p:nvGrpSpPr>
+        <p:cNvPr id="1" name=""/>
+        <p:cNvGrpSpPr/>
+        <p:nvPr/>
+      </p:nvGrpSpPr>
+      <p:grpSpPr>
+        <a:xfrm>
+          <a:off x="0" y="0"/>
+          <a:ext cx="0" cy="0"/>
+          <a:chOff x="0" y="0"/>
+          <a:chExt cx="0" cy="0"/>
+        </a:xfrm>
+      </p:grpSpPr>
+      <p:sp>
+        <p:nvSpPr>
+          <p:cNvPr id="2" name="Title 1">
+            <a:extLst>
+              <a:ext uri="{FF2B5EF4-FFF2-40B4-BE49-F238E27FC236}">
+                <a16:creationId xmlns:a16="http://schemas.microsoft.com/office/drawing/2014/main" id="{BB4B6193-F9F1-4C54-838F-77350B9FC5DC}"/>
+              </a:ext>
+            </a:extLst>
+          </p:cNvPr>
+          <p:cNvSpPr>
+            <a:spLocks noGrp="1"/>
+          </p:cNvSpPr>
+          <p:nvPr>
+            <p:ph type="title"/>
+          </p:nvPr>
+        </p:nvSpPr>
+        <p:spPr>
+          <a:xfrm>
+            <a:off x="1169125" y="425299"/>
+            <a:ext cx="9875520" cy="709749"/>
+          </a:xfrm>
+        </p:spPr>
+        <p:txBody>
+          <a:bodyPr>
+            <a:normAutofit fontScale="90000"/>
+          </a:bodyPr>
+          <a:lstStyle/>
+          <a:p>
+            <a:pPr algn="r"/>
+            <a:r>
+              <a:rPr lang="fa-IR" sz="4800" dirty="0">
+                <a:cs typeface="B Nazanin" panose="00000400000000000000" pitchFamily="2" charset="-78"/>
+              </a:rPr>
+              <a:t>وظایف واحد مدیریت منابع </a:t>
+            </a:r>
+            <a:r>
+              <a:rPr lang="fa-IR" sz="4800" dirty="0" smtClean="0">
+                <a:cs typeface="B Nazanin" panose="00000400000000000000" pitchFamily="2" charset="-78"/>
+              </a:rPr>
+              <a:t>انسانی</a:t>
+            </a:r>
+            <a:endParaRPr lang="en-US" sz="4800" dirty="0">
+              <a:cs typeface="B Nazanin" panose="00000400000000000000" pitchFamily="2" charset="-78"/>
+            </a:endParaRPr>
+          </a:p>
+        </p:txBody>
+      </p:sp>
+      <p:cxnSp>
+        <p:nvCxnSpPr>
+          <p:cNvPr id="8" name="Straight Connector 7"/>
+          <p:cNvCxnSpPr/>
+          <p:nvPr/>
+        </p:nvCxnSpPr>
+        <p:spPr>
+          <a:xfrm>
+            <a:off x="888274" y="1240973"/>
+            <a:ext cx="10437223" cy="13063"/>
+          </a:xfrm>
+          <a:prstGeom prst="line">
+            <a:avLst/>
+          </a:prstGeom>
+        </p:spPr>
+        <p:style>
+          <a:lnRef idx="3">
+            <a:schemeClr val="accent1"/>
+          </a:lnRef>
+          <a:fillRef idx="0">
+            <a:schemeClr val="accent1"/>
+          </a:fillRef>
+          <a:effectRef idx="2">
+            <a:schemeClr val="accent1"/>
+          </a:effectRef>
+          <a:fontRef idx="minor">
+            <a:schemeClr val="tx1"/>
+          </a:fontRef>
+        </p:style>
+      </p:cxnSp>
+    </p:spTree>
+    <p:extLst>
+      <p:ext uri="{BB962C8B-B14F-4D97-AF65-F5344CB8AC3E}">
+        <p14:creationId xmlns:p14="http://schemas.microsoft.com/office/powerpoint/2010/main" val="2672957640"/>
+      </p:ext>
+    </p:extLst>
+  </p:cSld>
+  <p:clrMapOvr>
+    <a:masterClrMapping/>
+  </p:clrMapOvr>
+  <p:timing>
+    <p:tnLst>
+      <p:par>
+        <p:cTn id="1" dur="indefinite" restart="never" nodeType="tmRoot"/>
+      </p:par>
+    </p:tnLst>
+  </p:timing>
+</p:sld>
+</file>
+
+<file path=ppt/slides/slide11.xml><?xml version="1.0" encoding="utf-8"?>
+<p:sld xmlns:a="http://schemas.openxmlformats.org/drawingml/2006/main" xmlns:r="http://schemas.openxmlformats.org/officeDocument/2006/relationships" xmlns:p="http://schemas.openxmlformats.org/presentationml/2006/main">
+  <p:cSld>
+    <p:spTree>
+      <p:nvGrpSpPr>
+        <p:cNvPr id="1" name=""/>
+        <p:cNvGrpSpPr/>
+        <p:nvPr/>
+      </p:nvGrpSpPr>
+      <p:grpSpPr>
+        <a:xfrm>
+          <a:off x="0" y="0"/>
+          <a:ext cx="0" cy="0"/>
+          <a:chOff x="0" y="0"/>
+          <a:chExt cx="0" cy="0"/>
+        </a:xfrm>
+      </p:grpSpPr>
+      <p:sp>
+        <p:nvSpPr>
+          <p:cNvPr id="2" name="Title 1">
+            <a:extLst>
+              <a:ext uri="{FF2B5EF4-FFF2-40B4-BE49-F238E27FC236}">
+                <a16:creationId xmlns:a16="http://schemas.microsoft.com/office/drawing/2014/main" id="{BB4B6193-F9F1-4C54-838F-77350B9FC5DC}"/>
+              </a:ext>
+            </a:extLst>
+          </p:cNvPr>
+          <p:cNvSpPr>
+            <a:spLocks noGrp="1"/>
+          </p:cNvSpPr>
+          <p:nvPr>
+            <p:ph type="title"/>
+          </p:nvPr>
+        </p:nvSpPr>
+        <p:spPr>
+          <a:xfrm>
+            <a:off x="1169125" y="425299"/>
+            <a:ext cx="9875520" cy="709749"/>
+          </a:xfrm>
+        </p:spPr>
+        <p:txBody>
+          <a:bodyPr>
+            <a:normAutofit fontScale="90000"/>
+          </a:bodyPr>
+          <a:lstStyle/>
+          <a:p>
+            <a:pPr algn="r"/>
+            <a:r>
+              <a:rPr lang="fa-IR" sz="4800" dirty="0">
+                <a:cs typeface="B Nazanin" panose="00000400000000000000" pitchFamily="2" charset="-78"/>
+              </a:rPr>
+              <a:t>وظایف واحد مدیریت منابع </a:t>
+            </a:r>
+            <a:r>
+              <a:rPr lang="fa-IR" sz="4800" dirty="0" smtClean="0">
+                <a:cs typeface="B Nazanin" panose="00000400000000000000" pitchFamily="2" charset="-78"/>
+              </a:rPr>
+              <a:t>انسانی</a:t>
+            </a:r>
+            <a:endParaRPr lang="en-US" sz="4800" dirty="0">
+              <a:cs typeface="B Nazanin" panose="00000400000000000000" pitchFamily="2" charset="-78"/>
+            </a:endParaRPr>
+          </a:p>
+        </p:txBody>
+      </p:sp>
+      <p:cxnSp>
+        <p:nvCxnSpPr>
+          <p:cNvPr id="8" name="Straight Connector 7"/>
+          <p:cNvCxnSpPr/>
+          <p:nvPr/>
+        </p:nvCxnSpPr>
+        <p:spPr>
+          <a:xfrm>
+            <a:off x="888274" y="1240973"/>
+            <a:ext cx="10437223" cy="13063"/>
+          </a:xfrm>
+          <a:prstGeom prst="line">
+            <a:avLst/>
+          </a:prstGeom>
+        </p:spPr>
+        <p:style>
+          <a:lnRef idx="3">
+            <a:schemeClr val="accent1"/>
+          </a:lnRef>
+          <a:fillRef idx="0">
+            <a:schemeClr val="accent1"/>
+          </a:fillRef>
+          <a:effectRef idx="2">
+            <a:schemeClr val="accent1"/>
+          </a:effectRef>
+          <a:fontRef idx="minor">
+            <a:schemeClr val="tx1"/>
+          </a:fontRef>
+        </p:style>
+      </p:cxnSp>
+    </p:spTree>
+    <p:extLst>
+      <p:ext uri="{BB962C8B-B14F-4D97-AF65-F5344CB8AC3E}">
+        <p14:creationId xmlns:p14="http://schemas.microsoft.com/office/powerpoint/2010/main" val="2625946346"/>
+      </p:ext>
+    </p:extLst>
+  </p:cSld>
+  <p:clrMapOvr>
+    <a:masterClrMapping/>
+  </p:clrMapOvr>
+  <p:timing>
+    <p:tnLst>
+      <p:par>
+        <p:cTn id="1" dur="indefinite" restart="never" nodeType="tmRoot"/>
+      </p:par>
+    </p:tnLst>
+  </p:timing>
+</p:sld>
+</file>
+
+<file path=ppt/slides/slide12.xml><?xml version="1.0" encoding="utf-8"?>
+<p:sld xmlns:a="http://schemas.openxmlformats.org/drawingml/2006/main" xmlns:r="http://schemas.openxmlformats.org/officeDocument/2006/relationships" xmlns:p="http://schemas.openxmlformats.org/presentationml/2006/main">
+  <p:cSld>
     <p:bg>
       <p:bgPr>
         <a:solidFill>
@@ -3658,7 +3888,7 @@
                 <a16:creationId xmlns:a16="http://schemas.microsoft.com/office/drawing/2014/main" id="{E3DC42C2-6B58-404C-B339-2C72808A5BE1}"/>
               </a:ext>
               <a:ext uri="{C183D7F6-B498-43B3-948B-1728B52AA6E4}">
-                <adec:decorative xmlns="" xmlns:adec="http://schemas.microsoft.com/office/drawing/2017/decorative" val="1"/>
+                <adec:decorative xmlns:adec="http://schemas.microsoft.com/office/drawing/2017/decorative" xmlns="" val="1"/>
               </a:ext>
             </a:extLst>
           </p:cNvPr>
@@ -3852,7 +4082,7 @@
                 <a16:creationId xmlns:a16="http://schemas.microsoft.com/office/drawing/2014/main" id="{FCF82941-5589-49BF-B6B1-76122B2D0EA6}"/>
               </a:ext>
               <a:ext uri="{C183D7F6-B498-43B3-948B-1728B52AA6E4}">
-                <adec:decorative xmlns="" xmlns:adec="http://schemas.microsoft.com/office/drawing/2017/decorative" val="1"/>
+                <adec:decorative xmlns:adec="http://schemas.microsoft.com/office/drawing/2017/decorative" xmlns="" val="1"/>
               </a:ext>
             </a:extLst>
           </p:cNvPr>
@@ -9471,7 +9701,7 @@
               <a:rPr lang="fa-IR" sz="4800" dirty="0" smtClean="0">
                 <a:cs typeface="B Nazanin" panose="00000400000000000000" pitchFamily="2" charset="-78"/>
               </a:rPr>
-              <a:t>شغل</a:t>
+              <a:t>شغل و طراحی شغل </a:t>
             </a:r>
             <a:endParaRPr lang="en-US" sz="4800" dirty="0">
               <a:cs typeface="B Nazanin" panose="00000400000000000000" pitchFamily="2" charset="-78"/>
@@ -9518,7 +9748,7 @@
         <p:spPr>
           <a:xfrm>
             <a:off x="764178" y="1359961"/>
-            <a:ext cx="10280467" cy="923330"/>
+            <a:ext cx="10502537" cy="954107"/>
           </a:xfrm>
           <a:prstGeom prst="rect">
             <a:avLst/>
@@ -9629,7 +9859,139 @@
                 <a:latin typeface="IRANSans"/>
                 <a:cs typeface="B Nazanin" panose="00000400000000000000" pitchFamily="2" charset="-78"/>
               </a:rPr>
-              <a:t> مثلاً ممکن است برای به‌کارگیری یک فرد که با مدیر ارشد یک سازمان نزدیک است، جایگاهی در چارت در نظر گرفته شود (پست). اما او هیچ کار ویژه یا مفیدی نداشته باشد و صرفاً به فهرست حقوق‌بگیران آن مجموعه اضافه شود</a:t>
+              <a:t> مثلاً ممکن است برای به‌کارگیری یک فرد که با مدیر ارشد یک سازمان نزدیک است، جایگاهی در چارت در نظر گرفته شود (پست). اما او هیچ کار ویژه یا مفیدی نداشته باشد و صرفاً به فهرست حقوق‌بگیران آن مجموعه اضافه شود.</a:t>
+            </a:r>
+            <a:r>
+              <a:rPr lang="en-US" dirty="0">
+                <a:solidFill>
+                  <a:srgbClr val="000000"/>
+                </a:solidFill>
+                <a:latin typeface="IRANSans"/>
+                <a:cs typeface="B Nazanin" panose="00000400000000000000" pitchFamily="2" charset="-78"/>
+              </a:rPr>
+              <a:t> </a:t>
+            </a:r>
+            <a:r>
+              <a:rPr lang="fa-IR" dirty="0">
+                <a:solidFill>
+                  <a:srgbClr val="000000"/>
+                </a:solidFill>
+                <a:latin typeface="IRANSans"/>
+                <a:cs typeface="B Nazanin" panose="00000400000000000000" pitchFamily="2" charset="-78"/>
+              </a:rPr>
+              <a:t>در نتیجه </a:t>
+            </a:r>
+            <a:r>
+              <a:rPr lang="fa-IR" b="1" dirty="0">
+                <a:solidFill>
+                  <a:schemeClr val="accent6">
+                    <a:lumMod val="50000"/>
+                  </a:schemeClr>
+                </a:solidFill>
+                <a:latin typeface="IRANSans"/>
+                <a:cs typeface="B Nazanin" panose="00000400000000000000" pitchFamily="2" charset="-78"/>
+              </a:rPr>
+              <a:t>شغل</a:t>
+            </a:r>
+            <a:r>
+              <a:rPr lang="fa-IR" dirty="0">
+                <a:solidFill>
+                  <a:srgbClr val="000000"/>
+                </a:solidFill>
+                <a:latin typeface="IRANSans"/>
+                <a:cs typeface="B Nazanin" panose="00000400000000000000" pitchFamily="2" charset="-78"/>
+              </a:rPr>
+              <a:t> مجموعه‌ای از </a:t>
+            </a:r>
+            <a:r>
+              <a:rPr lang="fa-IR" b="1" u="sng" dirty="0">
+                <a:solidFill>
+                  <a:schemeClr val="accent6">
+                    <a:lumMod val="50000"/>
+                  </a:schemeClr>
+                </a:solidFill>
+                <a:latin typeface="IRANSans"/>
+                <a:cs typeface="B Nazanin" panose="00000400000000000000" pitchFamily="2" charset="-78"/>
+              </a:rPr>
+              <a:t>وظایف</a:t>
+            </a:r>
+            <a:r>
+              <a:rPr lang="fa-IR" b="1" u="sng" dirty="0">
+                <a:latin typeface="IRANSans"/>
+                <a:cs typeface="B Nazanin" panose="00000400000000000000" pitchFamily="2" charset="-78"/>
+              </a:rPr>
+              <a:t>،</a:t>
+            </a:r>
+            <a:r>
+              <a:rPr lang="fa-IR" b="1" u="sng" dirty="0">
+                <a:solidFill>
+                  <a:srgbClr val="C00000"/>
+                </a:solidFill>
+                <a:latin typeface="IRANSans"/>
+                <a:cs typeface="B Nazanin" panose="00000400000000000000" pitchFamily="2" charset="-78"/>
+              </a:rPr>
+              <a:t> </a:t>
+            </a:r>
+            <a:r>
+              <a:rPr lang="fa-IR" b="1" u="sng" dirty="0">
+                <a:solidFill>
+                  <a:schemeClr val="accent6">
+                    <a:lumMod val="50000"/>
+                  </a:schemeClr>
+                </a:solidFill>
+                <a:latin typeface="IRANSans"/>
+                <a:cs typeface="B Nazanin" panose="00000400000000000000" pitchFamily="2" charset="-78"/>
+              </a:rPr>
+              <a:t>فعالیت‌ها</a:t>
+            </a:r>
+            <a:r>
+              <a:rPr lang="fa-IR" b="1" u="sng" dirty="0">
+                <a:solidFill>
+                  <a:srgbClr val="C00000"/>
+                </a:solidFill>
+                <a:latin typeface="IRANSans"/>
+                <a:cs typeface="B Nazanin" panose="00000400000000000000" pitchFamily="2" charset="-78"/>
+              </a:rPr>
+              <a:t> </a:t>
+            </a:r>
+            <a:r>
+              <a:rPr lang="fa-IR" b="1" u="sng" dirty="0">
+                <a:latin typeface="IRANSans"/>
+                <a:cs typeface="B Nazanin" panose="00000400000000000000" pitchFamily="2" charset="-78"/>
+              </a:rPr>
+              <a:t>و</a:t>
+            </a:r>
+            <a:r>
+              <a:rPr lang="fa-IR" b="1" u="sng" dirty="0">
+                <a:solidFill>
+                  <a:srgbClr val="C00000"/>
+                </a:solidFill>
+                <a:latin typeface="IRANSans"/>
+                <a:cs typeface="B Nazanin" panose="00000400000000000000" pitchFamily="2" charset="-78"/>
+              </a:rPr>
+              <a:t> </a:t>
+            </a:r>
+            <a:r>
+              <a:rPr lang="fa-IR" b="1" u="sng" dirty="0">
+                <a:solidFill>
+                  <a:schemeClr val="accent6">
+                    <a:lumMod val="50000"/>
+                  </a:schemeClr>
+                </a:solidFill>
+                <a:latin typeface="IRANSans"/>
+                <a:cs typeface="B Nazanin" panose="00000400000000000000" pitchFamily="2" charset="-78"/>
+              </a:rPr>
+              <a:t>مسئولیت‌ها</a:t>
+            </a:r>
+            <a:r>
+              <a:rPr lang="fa-IR" dirty="0">
+                <a:solidFill>
+                  <a:srgbClr val="000000"/>
+                </a:solidFill>
+                <a:latin typeface="IRANSans"/>
+                <a:cs typeface="B Nazanin" panose="00000400000000000000" pitchFamily="2" charset="-78"/>
+              </a:rPr>
+              <a:t> </a:t>
             </a:r>
             <a:r>
               <a:rPr lang="fa-IR" dirty="0" smtClean="0">
@@ -9639,7 +10001,7 @@
                 <a:latin typeface="IRANSans"/>
                 <a:cs typeface="B Nazanin" panose="00000400000000000000" pitchFamily="2" charset="-78"/>
               </a:rPr>
-              <a:t>.</a:t>
+              <a:t>است . </a:t>
             </a:r>
             <a:endParaRPr lang="fa-IR" dirty="0">
               <a:solidFill>
@@ -9648,6 +10010,1303 @@
               <a:latin typeface="IRANSans"/>
               <a:cs typeface="B Nazanin" panose="00000400000000000000" pitchFamily="2" charset="-78"/>
             </a:endParaRPr>
+          </a:p>
+        </p:txBody>
+      </p:sp>
+      <p:sp>
+        <p:nvSpPr>
+          <p:cNvPr id="4" name="Rectangle 3"/>
+          <p:cNvSpPr/>
+          <p:nvPr/>
+        </p:nvSpPr>
+        <p:spPr>
+          <a:xfrm>
+            <a:off x="764178" y="2881823"/>
+            <a:ext cx="10502537" cy="1200329"/>
+          </a:xfrm>
+          <a:prstGeom prst="rect">
+            <a:avLst/>
+          </a:prstGeom>
+          <a:solidFill>
+            <a:schemeClr val="accent5">
+              <a:lumMod val="20000"/>
+              <a:lumOff val="80000"/>
+            </a:schemeClr>
+          </a:solidFill>
+        </p:spPr>
+        <p:txBody>
+          <a:bodyPr wrap="square">
+            <a:spAutoFit/>
+          </a:bodyPr>
+          <a:lstStyle/>
+          <a:p>
+            <a:pPr algn="just" rtl="1"/>
+            <a:r>
+              <a:rPr lang="fa-IR" dirty="0">
+                <a:solidFill>
+                  <a:srgbClr val="000000"/>
+                </a:solidFill>
+                <a:latin typeface="IRANSans"/>
+                <a:cs typeface="B Nazanin" panose="00000400000000000000" pitchFamily="2" charset="-78"/>
+              </a:rPr>
+              <a:t>مدت‌ها هدف از </a:t>
+            </a:r>
+            <a:r>
+              <a:rPr lang="fa-IR" b="1" dirty="0">
+                <a:solidFill>
+                  <a:srgbClr val="FF0000"/>
+                </a:solidFill>
+                <a:latin typeface="IRANSans"/>
+                <a:cs typeface="B Nazanin" panose="00000400000000000000" pitchFamily="2" charset="-78"/>
+              </a:rPr>
+              <a:t>طراحی شغل</a:t>
+            </a:r>
+            <a:r>
+              <a:rPr lang="fa-IR" dirty="0">
+                <a:solidFill>
+                  <a:srgbClr val="000000"/>
+                </a:solidFill>
+                <a:latin typeface="IRANSans"/>
+                <a:cs typeface="B Nazanin" panose="00000400000000000000" pitchFamily="2" charset="-78"/>
+              </a:rPr>
+              <a:t> این بود که کارها، </a:t>
+            </a:r>
+            <a:r>
+              <a:rPr lang="fa-IR" b="1" dirty="0">
+                <a:solidFill>
+                  <a:srgbClr val="000000"/>
+                </a:solidFill>
+                <a:latin typeface="IRANSans"/>
+                <a:cs typeface="B Nazanin" panose="00000400000000000000" pitchFamily="2" charset="-78"/>
+              </a:rPr>
+              <a:t>بیشتر و سریع‌تر و ارزان‌تر</a:t>
+            </a:r>
+            <a:r>
+              <a:rPr lang="fa-IR" dirty="0">
+                <a:solidFill>
+                  <a:srgbClr val="000000"/>
+                </a:solidFill>
+                <a:latin typeface="IRANSans"/>
+                <a:cs typeface="B Nazanin" panose="00000400000000000000" pitchFamily="2" charset="-78"/>
+              </a:rPr>
+              <a:t> انجام شوند؛ اما طی دهه‌های اخیر، طراحی شغل </a:t>
+            </a:r>
+            <a:r>
+              <a:rPr lang="fa-IR" b="1" dirty="0">
+                <a:solidFill>
+                  <a:schemeClr val="accent6">
+                    <a:lumMod val="75000"/>
+                  </a:schemeClr>
+                </a:solidFill>
+                <a:latin typeface="IRANSans"/>
+                <a:cs typeface="B Nazanin" panose="00000400000000000000" pitchFamily="2" charset="-78"/>
+              </a:rPr>
+              <a:t>جهت‌گیری</a:t>
+            </a:r>
+            <a:r>
+              <a:rPr lang="fa-IR" dirty="0">
+                <a:solidFill>
+                  <a:srgbClr val="000000"/>
+                </a:solidFill>
+                <a:latin typeface="IRANSans"/>
+                <a:cs typeface="B Nazanin" panose="00000400000000000000" pitchFamily="2" charset="-78"/>
+              </a:rPr>
+              <a:t> خود را از</a:t>
+            </a:r>
+            <a:r>
+              <a:rPr lang="fa-IR" b="1" dirty="0">
+                <a:solidFill>
+                  <a:schemeClr val="accent6">
+                    <a:lumMod val="75000"/>
+                  </a:schemeClr>
+                </a:solidFill>
+                <a:latin typeface="IRANSans"/>
+                <a:cs typeface="B Nazanin" panose="00000400000000000000" pitchFamily="2" charset="-78"/>
+              </a:rPr>
+              <a:t> کار به کارمند</a:t>
+            </a:r>
+            <a:r>
+              <a:rPr lang="fa-IR" dirty="0">
+                <a:solidFill>
+                  <a:srgbClr val="000000"/>
+                </a:solidFill>
+                <a:latin typeface="IRANSans"/>
+                <a:cs typeface="B Nazanin" panose="00000400000000000000" pitchFamily="2" charset="-78"/>
+              </a:rPr>
+              <a:t> و از </a:t>
+            </a:r>
+            <a:r>
+              <a:rPr lang="fa-IR" b="1" dirty="0">
+                <a:solidFill>
+                  <a:schemeClr val="accent6">
+                    <a:lumMod val="75000"/>
+                  </a:schemeClr>
+                </a:solidFill>
+                <a:latin typeface="IRANSans"/>
+                <a:cs typeface="B Nazanin" panose="00000400000000000000" pitchFamily="2" charset="-78"/>
+              </a:rPr>
+              <a:t>شغل به شاغل</a:t>
+            </a:r>
+            <a:r>
+              <a:rPr lang="fa-IR" dirty="0">
+                <a:solidFill>
+                  <a:srgbClr val="000000"/>
+                </a:solidFill>
+                <a:latin typeface="IRANSans"/>
+                <a:cs typeface="B Nazanin" panose="00000400000000000000" pitchFamily="2" charset="-78"/>
+              </a:rPr>
+              <a:t> تغییر داد: چه کنیم که شغل برای شاغل مطلوب‌تر باشد؟</a:t>
+            </a:r>
+          </a:p>
+          <a:p>
+            <a:pPr algn="just" rtl="1"/>
+            <a:r>
+              <a:rPr lang="fa-IR" dirty="0">
+                <a:solidFill>
+                  <a:srgbClr val="000000"/>
+                </a:solidFill>
+                <a:latin typeface="IRANSans"/>
+                <a:cs typeface="B Nazanin" panose="00000400000000000000" pitchFamily="2" charset="-78"/>
+              </a:rPr>
+              <a:t>بخشی از این تغییر جهت، به خاطر رشد نگاه انسانی در حوزه‌ی مدیریت بود. البته ایده‌ی دیگری هم در کار بوده است:  </a:t>
+            </a:r>
+            <a:r>
+              <a:rPr lang="fa-IR" b="1" dirty="0">
+                <a:solidFill>
+                  <a:srgbClr val="7030A0"/>
+                </a:solidFill>
+                <a:latin typeface="IRANSans"/>
+                <a:cs typeface="B Nazanin" panose="00000400000000000000" pitchFamily="2" charset="-78"/>
+              </a:rPr>
+              <a:t>به نظر می‌رسد که رضایت شغلی، در بلندمدت می‌تواند سودآوری کسب و کارها را افزایش دهد</a:t>
+            </a:r>
+            <a:r>
+              <a:rPr lang="fa-IR" dirty="0">
+                <a:solidFill>
+                  <a:srgbClr val="000000"/>
+                </a:solidFill>
+                <a:latin typeface="IRANSans"/>
+                <a:cs typeface="B Nazanin" panose="00000400000000000000" pitchFamily="2" charset="-78"/>
+              </a:rPr>
+              <a:t>. </a:t>
+            </a:r>
+          </a:p>
+        </p:txBody>
+      </p:sp>
+      <p:sp>
+        <p:nvSpPr>
+          <p:cNvPr id="5" name="Rectangle 4"/>
+          <p:cNvSpPr/>
+          <p:nvPr/>
+        </p:nvSpPr>
+        <p:spPr>
+          <a:xfrm>
+            <a:off x="9774746" y="2310838"/>
+            <a:ext cx="1269899" cy="369332"/>
+          </a:xfrm>
+          <a:prstGeom prst="rect">
+            <a:avLst/>
+          </a:prstGeom>
+        </p:spPr>
+        <p:txBody>
+          <a:bodyPr wrap="none">
+            <a:spAutoFit/>
+          </a:bodyPr>
+          <a:lstStyle/>
+          <a:p>
+            <a:r>
+              <a:rPr lang="en-US" b="1" dirty="0"/>
+              <a:t>Job Design</a:t>
+            </a:r>
+            <a:endParaRPr lang="en-US" dirty="0"/>
+          </a:p>
+        </p:txBody>
+      </p:sp>
+      <p:sp>
+        <p:nvSpPr>
+          <p:cNvPr id="6" name="Arc 5"/>
+          <p:cNvSpPr/>
+          <p:nvPr/>
+        </p:nvSpPr>
+        <p:spPr>
+          <a:xfrm rot="14857545">
+            <a:off x="9326881" y="2444683"/>
+            <a:ext cx="613954" cy="636300"/>
+          </a:xfrm>
+          <a:prstGeom prst="arc">
+            <a:avLst>
+              <a:gd name="adj1" fmla="val 16200000"/>
+              <a:gd name="adj2" fmla="val 2335820"/>
+            </a:avLst>
+          </a:prstGeom>
+          <a:ln w="38100">
+            <a:headEnd type="none" w="med" len="med"/>
+            <a:tailEnd type="triangle" w="med" len="med"/>
+          </a:ln>
+        </p:spPr>
+        <p:style>
+          <a:lnRef idx="1">
+            <a:schemeClr val="accent1"/>
+          </a:lnRef>
+          <a:fillRef idx="0">
+            <a:schemeClr val="accent1"/>
+          </a:fillRef>
+          <a:effectRef idx="0">
+            <a:schemeClr val="accent1"/>
+          </a:effectRef>
+          <a:fontRef idx="minor">
+            <a:schemeClr val="tx1"/>
+          </a:fontRef>
+        </p:style>
+        <p:txBody>
+          <a:bodyPr rtlCol="0" anchor="ctr"/>
+          <a:lstStyle/>
+          <a:p>
+            <a:pPr algn="ctr"/>
+            <a:endParaRPr lang="en-US"/>
+          </a:p>
+        </p:txBody>
+      </p:sp>
+      <p:sp>
+        <p:nvSpPr>
+          <p:cNvPr id="7" name="Arc 6"/>
+          <p:cNvSpPr/>
+          <p:nvPr/>
+        </p:nvSpPr>
+        <p:spPr>
+          <a:xfrm>
+            <a:off x="6015446" y="2529279"/>
+            <a:ext cx="653143" cy="636300"/>
+          </a:xfrm>
+          <a:prstGeom prst="arc">
+            <a:avLst>
+              <a:gd name="adj1" fmla="val 16200000"/>
+              <a:gd name="adj2" fmla="val 445878"/>
+            </a:avLst>
+          </a:prstGeom>
+          <a:ln w="38100">
+            <a:solidFill>
+              <a:srgbClr val="C00000"/>
+            </a:solidFill>
+            <a:headEnd type="triangle" w="med" len="med"/>
+            <a:tailEnd type="none" w="med" len="med"/>
+          </a:ln>
+        </p:spPr>
+        <p:style>
+          <a:lnRef idx="1">
+            <a:schemeClr val="accent1"/>
+          </a:lnRef>
+          <a:fillRef idx="0">
+            <a:schemeClr val="accent1"/>
+          </a:fillRef>
+          <a:effectRef idx="0">
+            <a:schemeClr val="accent1"/>
+          </a:effectRef>
+          <a:fontRef idx="minor">
+            <a:schemeClr val="tx1"/>
+          </a:fontRef>
+        </p:style>
+        <p:txBody>
+          <a:bodyPr rtlCol="0" anchor="ctr"/>
+          <a:lstStyle/>
+          <a:p>
+            <a:pPr algn="ctr"/>
+            <a:endParaRPr lang="en-US"/>
+          </a:p>
+        </p:txBody>
+      </p:sp>
+      <p:sp>
+        <p:nvSpPr>
+          <p:cNvPr id="10" name="Rectangle 9"/>
+          <p:cNvSpPr/>
+          <p:nvPr/>
+        </p:nvSpPr>
+        <p:spPr>
+          <a:xfrm>
+            <a:off x="5433769" y="2310838"/>
+            <a:ext cx="941283" cy="369332"/>
+          </a:xfrm>
+          <a:prstGeom prst="rect">
+            <a:avLst/>
+          </a:prstGeom>
+        </p:spPr>
+        <p:txBody>
+          <a:bodyPr wrap="none">
+            <a:spAutoFit/>
+          </a:bodyPr>
+          <a:lstStyle/>
+          <a:p>
+            <a:r>
+              <a:rPr lang="fa-IR" b="1" dirty="0" smtClean="0">
+                <a:solidFill>
+                  <a:srgbClr val="C00000"/>
+                </a:solidFill>
+                <a:cs typeface="B Nazanin" panose="00000400000000000000" pitchFamily="2" charset="-78"/>
+              </a:rPr>
+              <a:t>تیلوریسم</a:t>
+            </a:r>
+            <a:endParaRPr lang="en-US" dirty="0">
+              <a:solidFill>
+                <a:srgbClr val="C00000"/>
+              </a:solidFill>
+              <a:cs typeface="B Nazanin" panose="00000400000000000000" pitchFamily="2" charset="-78"/>
+            </a:endParaRPr>
+          </a:p>
+        </p:txBody>
+      </p:sp>
+      <p:sp>
+        <p:nvSpPr>
+          <p:cNvPr id="11" name="Rectangle 10"/>
+          <p:cNvSpPr/>
+          <p:nvPr/>
+        </p:nvSpPr>
+        <p:spPr>
+          <a:xfrm>
+            <a:off x="764178" y="4155486"/>
+            <a:ext cx="10531927" cy="369332"/>
+          </a:xfrm>
+          <a:prstGeom prst="rect">
+            <a:avLst/>
+          </a:prstGeom>
+        </p:spPr>
+        <p:txBody>
+          <a:bodyPr wrap="square">
+            <a:spAutoFit/>
+          </a:bodyPr>
+          <a:lstStyle/>
+          <a:p>
+            <a:pPr algn="just" rtl="1"/>
+            <a:r>
+              <a:rPr lang="fa-IR" b="1" dirty="0">
+                <a:solidFill>
+                  <a:schemeClr val="accent6">
+                    <a:lumMod val="50000"/>
+                  </a:schemeClr>
+                </a:solidFill>
+                <a:latin typeface="IRANSans"/>
+                <a:cs typeface="B Nazanin" panose="00000400000000000000" pitchFamily="2" charset="-78"/>
+              </a:rPr>
+              <a:t>طراحی شغل در پی یافتن ترکیبی </a:t>
+            </a:r>
+            <a:r>
+              <a:rPr lang="fa-IR" b="1" dirty="0">
+                <a:solidFill>
+                  <a:srgbClr val="C00000"/>
+                </a:solidFill>
+                <a:latin typeface="IRANSans"/>
+                <a:cs typeface="B Nazanin" panose="00000400000000000000" pitchFamily="2" charset="-78"/>
+              </a:rPr>
+              <a:t>مناسب</a:t>
+            </a:r>
+            <a:r>
+              <a:rPr lang="fa-IR" b="1" dirty="0">
+                <a:solidFill>
+                  <a:schemeClr val="accent6">
+                    <a:lumMod val="50000"/>
+                  </a:schemeClr>
+                </a:solidFill>
+                <a:latin typeface="IRANSans"/>
+                <a:cs typeface="B Nazanin" panose="00000400000000000000" pitchFamily="2" charset="-78"/>
+              </a:rPr>
+              <a:t> از </a:t>
+            </a:r>
+            <a:r>
+              <a:rPr lang="fa-IR" b="1" u="sng" dirty="0">
+                <a:solidFill>
+                  <a:schemeClr val="accent6">
+                    <a:lumMod val="50000"/>
+                  </a:schemeClr>
+                </a:solidFill>
+                <a:latin typeface="IRANSans"/>
+                <a:cs typeface="B Nazanin" panose="00000400000000000000" pitchFamily="2" charset="-78"/>
+              </a:rPr>
+              <a:t>وظایف و فعالیت‌ها و مسئولیت‌ها </a:t>
+            </a:r>
+            <a:r>
+              <a:rPr lang="fa-IR" b="1" dirty="0">
+                <a:solidFill>
+                  <a:schemeClr val="accent6">
+                    <a:lumMod val="50000"/>
+                  </a:schemeClr>
+                </a:solidFill>
+                <a:latin typeface="IRANSans"/>
+                <a:cs typeface="B Nazanin" panose="00000400000000000000" pitchFamily="2" charset="-78"/>
+              </a:rPr>
+              <a:t>برای هر موقعیت شغلی </a:t>
+            </a:r>
+            <a:r>
+              <a:rPr lang="fa-IR" b="1" dirty="0" smtClean="0">
+                <a:solidFill>
+                  <a:schemeClr val="accent6">
+                    <a:lumMod val="50000"/>
+                  </a:schemeClr>
+                </a:solidFill>
+                <a:latin typeface="IRANSans"/>
+                <a:cs typeface="B Nazanin" panose="00000400000000000000" pitchFamily="2" charset="-78"/>
+              </a:rPr>
+              <a:t>است .</a:t>
+            </a:r>
+            <a:endParaRPr lang="en-US" b="1" dirty="0">
+              <a:solidFill>
+                <a:schemeClr val="accent6">
+                  <a:lumMod val="50000"/>
+                </a:schemeClr>
+              </a:solidFill>
+              <a:latin typeface="IRANSans"/>
+              <a:cs typeface="B Nazanin" panose="00000400000000000000" pitchFamily="2" charset="-78"/>
+            </a:endParaRPr>
+          </a:p>
+        </p:txBody>
+      </p:sp>
+      <p:sp>
+        <p:nvSpPr>
+          <p:cNvPr id="12" name="Rectangle 11"/>
+          <p:cNvSpPr/>
+          <p:nvPr/>
+        </p:nvSpPr>
+        <p:spPr>
+          <a:xfrm>
+            <a:off x="784377" y="4146724"/>
+            <a:ext cx="1965602" cy="1077218"/>
+          </a:xfrm>
+          <a:prstGeom prst="rect">
+            <a:avLst/>
+          </a:prstGeom>
+        </p:spPr>
+        <p:txBody>
+          <a:bodyPr wrap="none">
+            <a:spAutoFit/>
+          </a:bodyPr>
+          <a:lstStyle/>
+          <a:p>
+            <a:pPr marL="342900" indent="-342900" algn="r" rtl="1">
+              <a:buFont typeface="Wingdings" panose="05000000000000000000" pitchFamily="2" charset="2"/>
+              <a:buChar char="ü"/>
+            </a:pPr>
+            <a:r>
+              <a:rPr lang="fa-IR" sz="1600" b="1" dirty="0">
+                <a:latin typeface="IRANSans"/>
+                <a:cs typeface="B Nazanin" panose="00000400000000000000" pitchFamily="2" charset="-78"/>
+              </a:rPr>
+              <a:t>انگیزش</a:t>
+            </a:r>
+            <a:r>
+              <a:rPr lang="en-US" sz="1600" b="1" dirty="0">
+                <a:latin typeface="IRANSans"/>
+                <a:cs typeface="B Nazanin" panose="00000400000000000000" pitchFamily="2" charset="-78"/>
+              </a:rPr>
+              <a:t> </a:t>
+            </a:r>
+            <a:endParaRPr lang="en-US" sz="1600" b="1" dirty="0" smtClean="0">
+              <a:latin typeface="IRANSans"/>
+              <a:cs typeface="B Nazanin" panose="00000400000000000000" pitchFamily="2" charset="-78"/>
+            </a:endParaRPr>
+          </a:p>
+          <a:p>
+            <a:pPr marL="342900" indent="-342900" algn="r" rtl="1">
+              <a:buFont typeface="Wingdings" panose="05000000000000000000" pitchFamily="2" charset="2"/>
+              <a:buChar char="ü"/>
+            </a:pPr>
+            <a:r>
+              <a:rPr lang="fa-IR" sz="1600" b="1" dirty="0" smtClean="0">
+                <a:latin typeface="IRANSans"/>
+                <a:cs typeface="B Nazanin" panose="00000400000000000000" pitchFamily="2" charset="-78"/>
+              </a:rPr>
+              <a:t>رضایت شغلی</a:t>
+            </a:r>
+            <a:endParaRPr lang="en-US" sz="1600" b="1" dirty="0" smtClean="0">
+              <a:latin typeface="IRANSans"/>
+              <a:cs typeface="B Nazanin" panose="00000400000000000000" pitchFamily="2" charset="-78"/>
+            </a:endParaRPr>
+          </a:p>
+          <a:p>
+            <a:pPr marL="342900" indent="-342900" algn="r" rtl="1">
+              <a:buFont typeface="Wingdings" panose="05000000000000000000" pitchFamily="2" charset="2"/>
+              <a:buChar char="ü"/>
+            </a:pPr>
+            <a:r>
+              <a:rPr lang="en-US" sz="1600" b="1" dirty="0" smtClean="0">
+                <a:latin typeface="IRANSans"/>
+                <a:cs typeface="B Nazanin" panose="00000400000000000000" pitchFamily="2" charset="-78"/>
+              </a:rPr>
+              <a:t> </a:t>
+            </a:r>
+            <a:r>
+              <a:rPr lang="fa-IR" sz="1600" b="1" dirty="0" smtClean="0">
+                <a:latin typeface="IRANSans"/>
+                <a:cs typeface="B Nazanin" panose="00000400000000000000" pitchFamily="2" charset="-78"/>
+              </a:rPr>
+              <a:t>عملکرد</a:t>
+            </a:r>
+            <a:endParaRPr lang="en-US" sz="1600" b="1" dirty="0" smtClean="0">
+              <a:latin typeface="IRANSans"/>
+              <a:cs typeface="B Nazanin" panose="00000400000000000000" pitchFamily="2" charset="-78"/>
+            </a:endParaRPr>
+          </a:p>
+          <a:p>
+            <a:pPr marL="342900" indent="-342900" algn="r" rtl="1">
+              <a:buFont typeface="Wingdings" panose="05000000000000000000" pitchFamily="2" charset="2"/>
+              <a:buChar char="ü"/>
+            </a:pPr>
+            <a:r>
+              <a:rPr lang="en-US" sz="1600" b="1" dirty="0" smtClean="0">
+                <a:latin typeface="IRANSans"/>
+                <a:cs typeface="B Nazanin" panose="00000400000000000000" pitchFamily="2" charset="-78"/>
+              </a:rPr>
+              <a:t> </a:t>
+            </a:r>
+            <a:r>
+              <a:rPr lang="fa-IR" sz="1600" b="1" dirty="0">
+                <a:latin typeface="IRANSans"/>
+                <a:cs typeface="B Nazanin" panose="00000400000000000000" pitchFamily="2" charset="-78"/>
+              </a:rPr>
+              <a:t>فاصله گرفتن از </a:t>
+            </a:r>
+            <a:r>
+              <a:rPr lang="fa-IR" sz="1600" b="1" dirty="0" smtClean="0">
+                <a:latin typeface="IRANSans"/>
+                <a:cs typeface="B Nazanin" panose="00000400000000000000" pitchFamily="2" charset="-78"/>
+              </a:rPr>
+              <a:t>کار</a:t>
+            </a:r>
+            <a:r>
+              <a:rPr lang="en-US" sz="1600" b="1" dirty="0" smtClean="0">
+                <a:latin typeface="IRANSans"/>
+                <a:cs typeface="B Nazanin" panose="00000400000000000000" pitchFamily="2" charset="-78"/>
+              </a:rPr>
+              <a:t> </a:t>
+            </a:r>
+            <a:endParaRPr lang="en-US" sz="1600" b="1" dirty="0">
+              <a:latin typeface="IRANSans"/>
+              <a:cs typeface="B Nazanin" panose="00000400000000000000" pitchFamily="2" charset="-78"/>
+            </a:endParaRPr>
+          </a:p>
+        </p:txBody>
+      </p:sp>
+      <p:grpSp>
+        <p:nvGrpSpPr>
+          <p:cNvPr id="18" name="Group 17"/>
+          <p:cNvGrpSpPr/>
+          <p:nvPr/>
+        </p:nvGrpSpPr>
+        <p:grpSpPr>
+          <a:xfrm>
+            <a:off x="2749979" y="4524817"/>
+            <a:ext cx="5505747" cy="282310"/>
+            <a:chOff x="2749979" y="4890581"/>
+            <a:chExt cx="5505747" cy="282310"/>
+          </a:xfrm>
+        </p:grpSpPr>
+        <p:cxnSp>
+          <p:nvCxnSpPr>
+            <p:cNvPr id="14" name="Straight Connector 13"/>
+            <p:cNvCxnSpPr/>
+            <p:nvPr/>
+          </p:nvCxnSpPr>
+          <p:spPr>
+            <a:xfrm>
+              <a:off x="8242663" y="4890581"/>
+              <a:ext cx="0" cy="282310"/>
+            </a:xfrm>
+            <a:prstGeom prst="line">
+              <a:avLst/>
+            </a:prstGeom>
+            <a:ln w="38100"/>
+          </p:spPr>
+          <p:style>
+            <a:lnRef idx="1">
+              <a:schemeClr val="accent1"/>
+            </a:lnRef>
+            <a:fillRef idx="0">
+              <a:schemeClr val="accent1"/>
+            </a:fillRef>
+            <a:effectRef idx="0">
+              <a:schemeClr val="accent1"/>
+            </a:effectRef>
+            <a:fontRef idx="minor">
+              <a:schemeClr val="tx1"/>
+            </a:fontRef>
+          </p:style>
+        </p:cxnSp>
+        <p:cxnSp>
+          <p:nvCxnSpPr>
+            <p:cNvPr id="15" name="Straight Connector 14"/>
+            <p:cNvCxnSpPr/>
+            <p:nvPr/>
+          </p:nvCxnSpPr>
+          <p:spPr>
+            <a:xfrm flipH="1">
+              <a:off x="2749979" y="5159862"/>
+              <a:ext cx="5505747" cy="6482"/>
+            </a:xfrm>
+            <a:prstGeom prst="line">
+              <a:avLst/>
+            </a:prstGeom>
+            <a:ln w="57150">
+              <a:headEnd type="none" w="med" len="med"/>
+              <a:tailEnd type="triangle" w="med" len="med"/>
+            </a:ln>
+          </p:spPr>
+          <p:style>
+            <a:lnRef idx="1">
+              <a:schemeClr val="accent1"/>
+            </a:lnRef>
+            <a:fillRef idx="0">
+              <a:schemeClr val="accent1"/>
+            </a:fillRef>
+            <a:effectRef idx="0">
+              <a:schemeClr val="accent1"/>
+            </a:effectRef>
+            <a:fontRef idx="minor">
+              <a:schemeClr val="tx1"/>
+            </a:fontRef>
+          </p:style>
+        </p:cxnSp>
+      </p:grpSp>
+      <p:sp>
+        <p:nvSpPr>
+          <p:cNvPr id="22" name="Rectangle 21"/>
+          <p:cNvSpPr/>
+          <p:nvPr/>
+        </p:nvSpPr>
+        <p:spPr>
+          <a:xfrm>
+            <a:off x="1260566" y="4141382"/>
+            <a:ext cx="428322" cy="307777"/>
+          </a:xfrm>
+          <a:prstGeom prst="rect">
+            <a:avLst/>
+          </a:prstGeom>
+        </p:spPr>
+        <p:txBody>
+          <a:bodyPr wrap="square">
+            <a:spAutoFit/>
+          </a:bodyPr>
+          <a:lstStyle/>
+          <a:p>
+            <a:r>
+              <a:rPr lang="fa-IR" sz="1400" b="1" dirty="0" smtClean="0">
+                <a:solidFill>
+                  <a:srgbClr val="C00000"/>
+                </a:solidFill>
+                <a:latin typeface="IRANSans"/>
+                <a:cs typeface="B Nazanin" panose="00000400000000000000" pitchFamily="2" charset="-78"/>
+              </a:rPr>
+              <a:t>بالا</a:t>
+            </a:r>
+            <a:endParaRPr lang="en-US" sz="1400" dirty="0">
+              <a:solidFill>
+                <a:srgbClr val="C00000"/>
+              </a:solidFill>
+            </a:endParaRPr>
+          </a:p>
+        </p:txBody>
+      </p:sp>
+      <p:sp>
+        <p:nvSpPr>
+          <p:cNvPr id="23" name="Rectangle 22"/>
+          <p:cNvSpPr/>
+          <p:nvPr/>
+        </p:nvSpPr>
+        <p:spPr>
+          <a:xfrm>
+            <a:off x="927463" y="4428401"/>
+            <a:ext cx="428322" cy="307777"/>
+          </a:xfrm>
+          <a:prstGeom prst="rect">
+            <a:avLst/>
+          </a:prstGeom>
+        </p:spPr>
+        <p:txBody>
+          <a:bodyPr wrap="square">
+            <a:spAutoFit/>
+          </a:bodyPr>
+          <a:lstStyle/>
+          <a:p>
+            <a:r>
+              <a:rPr lang="fa-IR" sz="1400" b="1" dirty="0" smtClean="0">
+                <a:solidFill>
+                  <a:srgbClr val="C00000"/>
+                </a:solidFill>
+                <a:latin typeface="IRANSans"/>
+                <a:cs typeface="B Nazanin" panose="00000400000000000000" pitchFamily="2" charset="-78"/>
+              </a:rPr>
+              <a:t>بالا</a:t>
+            </a:r>
+            <a:endParaRPr lang="en-US" sz="1400" dirty="0">
+              <a:solidFill>
+                <a:srgbClr val="C00000"/>
+              </a:solidFill>
+            </a:endParaRPr>
+          </a:p>
+        </p:txBody>
+      </p:sp>
+      <p:sp>
+        <p:nvSpPr>
+          <p:cNvPr id="24" name="Rectangle 23"/>
+          <p:cNvSpPr/>
+          <p:nvPr/>
+        </p:nvSpPr>
+        <p:spPr>
+          <a:xfrm>
+            <a:off x="1256965" y="4637803"/>
+            <a:ext cx="428322" cy="338554"/>
+          </a:xfrm>
+          <a:prstGeom prst="rect">
+            <a:avLst/>
+          </a:prstGeom>
+        </p:spPr>
+        <p:txBody>
+          <a:bodyPr wrap="square">
+            <a:spAutoFit/>
+          </a:bodyPr>
+          <a:lstStyle/>
+          <a:p>
+            <a:r>
+              <a:rPr lang="fa-IR" sz="1600" b="1" dirty="0" smtClean="0">
+                <a:solidFill>
+                  <a:srgbClr val="C00000"/>
+                </a:solidFill>
+                <a:latin typeface="IRANSans"/>
+                <a:cs typeface="B Nazanin" panose="00000400000000000000" pitchFamily="2" charset="-78"/>
+              </a:rPr>
+              <a:t>بالا</a:t>
+            </a:r>
+            <a:endParaRPr lang="en-US" sz="1600" dirty="0">
+              <a:solidFill>
+                <a:srgbClr val="C00000"/>
+              </a:solidFill>
+            </a:endParaRPr>
+          </a:p>
+        </p:txBody>
+      </p:sp>
+      <p:sp>
+        <p:nvSpPr>
+          <p:cNvPr id="25" name="Rectangle 24"/>
+          <p:cNvSpPr/>
+          <p:nvPr/>
+        </p:nvSpPr>
+        <p:spPr>
+          <a:xfrm>
+            <a:off x="186072" y="4913333"/>
+            <a:ext cx="721799" cy="307777"/>
+          </a:xfrm>
+          <a:prstGeom prst="rect">
+            <a:avLst/>
+          </a:prstGeom>
+        </p:spPr>
+        <p:txBody>
+          <a:bodyPr wrap="square">
+            <a:spAutoFit/>
+          </a:bodyPr>
+          <a:lstStyle/>
+          <a:p>
+            <a:pPr algn="r" rtl="1"/>
+            <a:r>
+              <a:rPr lang="fa-IR" sz="1400" b="1" dirty="0" smtClean="0">
+                <a:solidFill>
+                  <a:srgbClr val="C00000"/>
+                </a:solidFill>
+                <a:latin typeface="IRANSans"/>
+                <a:cs typeface="B Nazanin" panose="00000400000000000000" pitchFamily="2" charset="-78"/>
+              </a:rPr>
+              <a:t>کمتر</a:t>
+            </a:r>
+            <a:endParaRPr lang="en-US" sz="1400" dirty="0">
+              <a:solidFill>
+                <a:srgbClr val="C00000"/>
+              </a:solidFill>
+            </a:endParaRPr>
+          </a:p>
+        </p:txBody>
+      </p:sp>
+      <p:sp>
+        <p:nvSpPr>
+          <p:cNvPr id="26" name="Rectangle 25"/>
+          <p:cNvSpPr/>
+          <p:nvPr/>
+        </p:nvSpPr>
+        <p:spPr>
+          <a:xfrm>
+            <a:off x="7217657" y="5262068"/>
+            <a:ext cx="4010298" cy="1200329"/>
+          </a:xfrm>
+          <a:prstGeom prst="rect">
+            <a:avLst/>
+          </a:prstGeom>
+          <a:solidFill>
+            <a:srgbClr val="FFFFCC"/>
+          </a:solidFill>
+        </p:spPr>
+        <p:style>
+          <a:lnRef idx="2">
+            <a:schemeClr val="accent2"/>
+          </a:lnRef>
+          <a:fillRef idx="1">
+            <a:schemeClr val="lt1"/>
+          </a:fillRef>
+          <a:effectRef idx="0">
+            <a:schemeClr val="accent2"/>
+          </a:effectRef>
+          <a:fontRef idx="minor">
+            <a:schemeClr val="dk1"/>
+          </a:fontRef>
+        </p:style>
+        <p:txBody>
+          <a:bodyPr wrap="square">
+            <a:spAutoFit/>
+          </a:bodyPr>
+          <a:lstStyle/>
+          <a:p>
+            <a:pPr algn="just" rtl="1"/>
+            <a:r>
+              <a:rPr lang="fa-IR" dirty="0">
+                <a:solidFill>
+                  <a:srgbClr val="000000"/>
+                </a:solidFill>
+                <a:latin typeface="IRANSans"/>
+                <a:cs typeface="B Nazanin" panose="00000400000000000000" pitchFamily="2" charset="-78"/>
+              </a:rPr>
+              <a:t>طراحی شغل، توجه شما را به </a:t>
+            </a:r>
+            <a:r>
+              <a:rPr lang="fa-IR" b="1" dirty="0">
+                <a:solidFill>
+                  <a:srgbClr val="000000"/>
+                </a:solidFill>
+                <a:latin typeface="IRANSans"/>
+                <a:cs typeface="B Nazanin" panose="00000400000000000000" pitchFamily="2" charset="-78"/>
+              </a:rPr>
+              <a:t>بخشِ کمتر دیده شده‌ی کار</a:t>
+            </a:r>
+            <a:r>
+              <a:rPr lang="fa-IR" dirty="0">
+                <a:solidFill>
+                  <a:srgbClr val="000000"/>
+                </a:solidFill>
+                <a:latin typeface="IRANSans"/>
+                <a:cs typeface="B Nazanin" panose="00000400000000000000" pitchFamily="2" charset="-78"/>
+              </a:rPr>
+              <a:t> جلب می‌کند. همان عاملی که ممکن است باعث شود بعضی از اعضای تیم، به تدریج دلبستگی خود را به کار از دست بدهند و از شما جدا شوند.</a:t>
+            </a:r>
+            <a:endParaRPr lang="en-US" dirty="0">
+              <a:solidFill>
+                <a:srgbClr val="000000"/>
+              </a:solidFill>
+              <a:latin typeface="IRANSans"/>
+              <a:cs typeface="B Nazanin" panose="00000400000000000000" pitchFamily="2" charset="-78"/>
+            </a:endParaRPr>
+          </a:p>
+        </p:txBody>
+      </p:sp>
+      <p:sp>
+        <p:nvSpPr>
+          <p:cNvPr id="28" name="Rectangle 27"/>
+          <p:cNvSpPr/>
+          <p:nvPr/>
+        </p:nvSpPr>
+        <p:spPr>
+          <a:xfrm>
+            <a:off x="6213023" y="5426035"/>
+            <a:ext cx="893513" cy="923330"/>
+          </a:xfrm>
+          <a:prstGeom prst="rect">
+            <a:avLst/>
+          </a:prstGeom>
+        </p:spPr>
+        <p:txBody>
+          <a:bodyPr wrap="square">
+            <a:spAutoFit/>
+          </a:bodyPr>
+          <a:lstStyle/>
+          <a:p>
+            <a:pPr algn="ctr"/>
+            <a:r>
+              <a:rPr lang="fa-IR" b="1" dirty="0">
+                <a:solidFill>
+                  <a:srgbClr val="FF0000"/>
+                </a:solidFill>
+                <a:latin typeface="IRANSans"/>
+                <a:cs typeface="B Nazanin" panose="00000400000000000000" pitchFamily="2" charset="-78"/>
+              </a:rPr>
+              <a:t>مدل های</a:t>
+            </a:r>
+            <a:endParaRPr lang="en-US" b="1" dirty="0">
+              <a:solidFill>
+                <a:srgbClr val="FF0000"/>
+              </a:solidFill>
+              <a:latin typeface="IRANSans"/>
+              <a:cs typeface="B Nazanin" panose="00000400000000000000" pitchFamily="2" charset="-78"/>
+            </a:endParaRPr>
+          </a:p>
+          <a:p>
+            <a:pPr algn="ctr"/>
+            <a:r>
+              <a:rPr lang="fa-IR" b="1" dirty="0">
+                <a:solidFill>
+                  <a:srgbClr val="FF0000"/>
+                </a:solidFill>
+                <a:latin typeface="IRANSans"/>
+                <a:cs typeface="B Nazanin" panose="00000400000000000000" pitchFamily="2" charset="-78"/>
+              </a:rPr>
+              <a:t> طراحی شغل</a:t>
+            </a:r>
+          </a:p>
+        </p:txBody>
+      </p:sp>
+      <p:sp>
+        <p:nvSpPr>
+          <p:cNvPr id="29" name="Rectangle 28"/>
+          <p:cNvSpPr/>
+          <p:nvPr/>
+        </p:nvSpPr>
+        <p:spPr>
+          <a:xfrm>
+            <a:off x="2354638" y="5247553"/>
+            <a:ext cx="3539752" cy="338554"/>
+          </a:xfrm>
+          <a:prstGeom prst="rect">
+            <a:avLst/>
+          </a:prstGeom>
+        </p:spPr>
+        <p:txBody>
+          <a:bodyPr wrap="none">
+            <a:spAutoFit/>
+          </a:bodyPr>
+          <a:lstStyle/>
+          <a:p>
+            <a:pPr marL="285750" indent="-285750" algn="r" rtl="1">
+              <a:buFont typeface="Wingdings" panose="05000000000000000000" pitchFamily="2" charset="2"/>
+              <a:buChar char="ü"/>
+            </a:pPr>
+            <a:r>
+              <a:rPr lang="fa-IR" sz="1600" b="1" dirty="0">
+                <a:solidFill>
+                  <a:srgbClr val="000000"/>
+                </a:solidFill>
+                <a:latin typeface="IRANSans"/>
+                <a:cs typeface="B Nazanin" panose="00000400000000000000" pitchFamily="2" charset="-78"/>
+              </a:rPr>
+              <a:t>شیوه‌ی تقسیم تخصصی (روش تیلور و فورد)</a:t>
+            </a:r>
+            <a:endParaRPr lang="en-US" sz="1600" dirty="0">
+              <a:cs typeface="B Nazanin" panose="00000400000000000000" pitchFamily="2" charset="-78"/>
+            </a:endParaRPr>
+          </a:p>
+        </p:txBody>
+      </p:sp>
+      <p:sp>
+        <p:nvSpPr>
+          <p:cNvPr id="30" name="Rectangle 29"/>
+          <p:cNvSpPr/>
+          <p:nvPr/>
+        </p:nvSpPr>
+        <p:spPr>
+          <a:xfrm>
+            <a:off x="3211089" y="5636726"/>
+            <a:ext cx="2682146" cy="338554"/>
+          </a:xfrm>
+          <a:prstGeom prst="rect">
+            <a:avLst/>
+          </a:prstGeom>
+        </p:spPr>
+        <p:txBody>
+          <a:bodyPr wrap="none">
+            <a:spAutoFit/>
+          </a:bodyPr>
+          <a:lstStyle/>
+          <a:p>
+            <a:pPr marL="285750" indent="-285750" algn="r" rtl="1">
+              <a:buFont typeface="Wingdings" panose="05000000000000000000" pitchFamily="2" charset="2"/>
+              <a:buChar char="ü"/>
+            </a:pPr>
+            <a:r>
+              <a:rPr lang="fa-IR" sz="1600" b="1" dirty="0" smtClean="0">
+                <a:solidFill>
+                  <a:srgbClr val="000000"/>
+                </a:solidFill>
+                <a:latin typeface="IRANSans"/>
+                <a:cs typeface="B Nazanin" panose="00000400000000000000" pitchFamily="2" charset="-78"/>
+              </a:rPr>
+              <a:t>روش</a:t>
+            </a:r>
+            <a:r>
+              <a:rPr lang="fa-IR" sz="1600" b="1" dirty="0">
+                <a:solidFill>
+                  <a:srgbClr val="000000"/>
+                </a:solidFill>
+                <a:latin typeface="IRANSans"/>
+                <a:cs typeface="B Nazanin" panose="00000400000000000000" pitchFamily="2" charset="-78"/>
+              </a:rPr>
+              <a:t> پردازش اطلاعات اجتماعی</a:t>
+            </a:r>
+            <a:endParaRPr lang="en-US" sz="1600" b="1" dirty="0">
+              <a:solidFill>
+                <a:srgbClr val="000000"/>
+              </a:solidFill>
+              <a:latin typeface="IRANSans"/>
+              <a:cs typeface="B Nazanin" panose="00000400000000000000" pitchFamily="2" charset="-78"/>
+            </a:endParaRPr>
+          </a:p>
+        </p:txBody>
+      </p:sp>
+      <p:sp>
+        <p:nvSpPr>
+          <p:cNvPr id="31" name="Rectangle 30"/>
+          <p:cNvSpPr/>
+          <p:nvPr/>
+        </p:nvSpPr>
+        <p:spPr>
+          <a:xfrm>
+            <a:off x="3842673" y="6052025"/>
+            <a:ext cx="2050562" cy="338554"/>
+          </a:xfrm>
+          <a:prstGeom prst="rect">
+            <a:avLst/>
+          </a:prstGeom>
+        </p:spPr>
+        <p:txBody>
+          <a:bodyPr wrap="none">
+            <a:spAutoFit/>
+          </a:bodyPr>
+          <a:lstStyle/>
+          <a:p>
+            <a:pPr marL="285750" indent="-285750" algn="r" rtl="1">
+              <a:buFont typeface="Wingdings" panose="05000000000000000000" pitchFamily="2" charset="2"/>
+              <a:buChar char="ü"/>
+            </a:pPr>
+            <a:r>
+              <a:rPr lang="fa-IR" sz="1600" b="1" dirty="0">
+                <a:solidFill>
+                  <a:srgbClr val="000000"/>
+                </a:solidFill>
+                <a:latin typeface="IRANSans"/>
+                <a:cs typeface="B Nazanin" panose="00000400000000000000" pitchFamily="2" charset="-78"/>
+              </a:rPr>
+              <a:t>مدل ویژگی های شغلی</a:t>
+            </a:r>
+            <a:endParaRPr lang="en-US" sz="1600" b="1" dirty="0">
+              <a:solidFill>
+                <a:srgbClr val="000000"/>
+              </a:solidFill>
+              <a:latin typeface="IRANSans"/>
+              <a:cs typeface="B Nazanin" panose="00000400000000000000" pitchFamily="2" charset="-78"/>
+            </a:endParaRPr>
+          </a:p>
+        </p:txBody>
+      </p:sp>
+      <p:sp>
+        <p:nvSpPr>
+          <p:cNvPr id="32" name="Rectangle 31"/>
+          <p:cNvSpPr/>
+          <p:nvPr/>
+        </p:nvSpPr>
+        <p:spPr>
+          <a:xfrm>
+            <a:off x="473087" y="6074391"/>
+            <a:ext cx="2161169" cy="276999"/>
+          </a:xfrm>
+          <a:prstGeom prst="rect">
+            <a:avLst/>
+          </a:prstGeom>
+        </p:spPr>
+        <p:txBody>
+          <a:bodyPr wrap="none">
+            <a:spAutoFit/>
+          </a:bodyPr>
+          <a:lstStyle/>
+          <a:p>
+            <a:r>
+              <a:rPr lang="en-US" sz="1200" b="1" dirty="0">
+                <a:solidFill>
+                  <a:srgbClr val="FF0000"/>
+                </a:solidFill>
+                <a:latin typeface="Tahoma" panose="020B0604030504040204" pitchFamily="34" charset="0"/>
+                <a:ea typeface="Tahoma" panose="020B0604030504040204" pitchFamily="34" charset="0"/>
+                <a:cs typeface="Tahoma" panose="020B0604030504040204" pitchFamily="34" charset="0"/>
+              </a:rPr>
+              <a:t>J</a:t>
+            </a:r>
+            <a:r>
+              <a:rPr lang="en-US" sz="1200" b="1" dirty="0">
+                <a:solidFill>
+                  <a:srgbClr val="000000"/>
+                </a:solidFill>
+                <a:latin typeface="Tahoma" panose="020B0604030504040204" pitchFamily="34" charset="0"/>
+                <a:ea typeface="Tahoma" panose="020B0604030504040204" pitchFamily="34" charset="0"/>
+                <a:cs typeface="Tahoma" panose="020B0604030504040204" pitchFamily="34" charset="0"/>
+              </a:rPr>
+              <a:t>ob </a:t>
+            </a:r>
+            <a:r>
+              <a:rPr lang="en-US" sz="1200" b="1" dirty="0">
+                <a:solidFill>
+                  <a:srgbClr val="FF0000"/>
+                </a:solidFill>
+                <a:latin typeface="Tahoma" panose="020B0604030504040204" pitchFamily="34" charset="0"/>
+                <a:ea typeface="Tahoma" panose="020B0604030504040204" pitchFamily="34" charset="0"/>
+                <a:cs typeface="Tahoma" panose="020B0604030504040204" pitchFamily="34" charset="0"/>
+              </a:rPr>
+              <a:t>C</a:t>
+            </a:r>
+            <a:r>
+              <a:rPr lang="en-US" sz="1200" b="1" dirty="0">
+                <a:solidFill>
+                  <a:srgbClr val="000000"/>
+                </a:solidFill>
+                <a:latin typeface="Tahoma" panose="020B0604030504040204" pitchFamily="34" charset="0"/>
+                <a:ea typeface="Tahoma" panose="020B0604030504040204" pitchFamily="34" charset="0"/>
+                <a:cs typeface="Tahoma" panose="020B0604030504040204" pitchFamily="34" charset="0"/>
+              </a:rPr>
+              <a:t>haracteristics </a:t>
+            </a:r>
+            <a:r>
+              <a:rPr lang="en-US" sz="1200" b="1" dirty="0">
+                <a:solidFill>
+                  <a:srgbClr val="FF0000"/>
+                </a:solidFill>
+                <a:latin typeface="Tahoma" panose="020B0604030504040204" pitchFamily="34" charset="0"/>
+                <a:ea typeface="Tahoma" panose="020B0604030504040204" pitchFamily="34" charset="0"/>
+                <a:cs typeface="Tahoma" panose="020B0604030504040204" pitchFamily="34" charset="0"/>
+              </a:rPr>
+              <a:t>M</a:t>
+            </a:r>
+            <a:r>
+              <a:rPr lang="en-US" sz="1200" b="1" dirty="0">
+                <a:solidFill>
+                  <a:srgbClr val="000000"/>
+                </a:solidFill>
+                <a:latin typeface="Tahoma" panose="020B0604030504040204" pitchFamily="34" charset="0"/>
+                <a:ea typeface="Tahoma" panose="020B0604030504040204" pitchFamily="34" charset="0"/>
+                <a:cs typeface="Tahoma" panose="020B0604030504040204" pitchFamily="34" charset="0"/>
+              </a:rPr>
+              <a:t>odel</a:t>
+            </a:r>
+            <a:endParaRPr lang="en-US" sz="1200" dirty="0">
+              <a:latin typeface="Tahoma" panose="020B0604030504040204" pitchFamily="34" charset="0"/>
+              <a:ea typeface="Tahoma" panose="020B0604030504040204" pitchFamily="34" charset="0"/>
+              <a:cs typeface="Tahoma" panose="020B0604030504040204" pitchFamily="34" charset="0"/>
+            </a:endParaRPr>
+          </a:p>
+        </p:txBody>
+      </p:sp>
+      <p:sp>
+        <p:nvSpPr>
+          <p:cNvPr id="33" name="Rectangle 32"/>
+          <p:cNvSpPr/>
+          <p:nvPr/>
+        </p:nvSpPr>
+        <p:spPr>
+          <a:xfrm>
+            <a:off x="491809" y="5636726"/>
+            <a:ext cx="2501006" cy="276999"/>
+          </a:xfrm>
+          <a:prstGeom prst="rect">
+            <a:avLst/>
+          </a:prstGeom>
+        </p:spPr>
+        <p:txBody>
+          <a:bodyPr wrap="none">
+            <a:spAutoFit/>
+          </a:bodyPr>
+          <a:lstStyle/>
+          <a:p>
+            <a:r>
+              <a:rPr lang="en-US" sz="1200" b="1" dirty="0">
+                <a:solidFill>
+                  <a:srgbClr val="000000"/>
+                </a:solidFill>
+                <a:latin typeface="Tahoma" panose="020B0604030504040204" pitchFamily="34" charset="0"/>
+                <a:ea typeface="Tahoma" panose="020B0604030504040204" pitchFamily="34" charset="0"/>
+                <a:cs typeface="Tahoma" panose="020B0604030504040204" pitchFamily="34" charset="0"/>
+              </a:rPr>
+              <a:t>Social Information Processing</a:t>
+            </a:r>
+          </a:p>
+        </p:txBody>
+      </p:sp>
+      <p:sp>
+        <p:nvSpPr>
+          <p:cNvPr id="34" name="Rectangle 33"/>
+          <p:cNvSpPr/>
+          <p:nvPr/>
+        </p:nvSpPr>
+        <p:spPr>
+          <a:xfrm>
+            <a:off x="5503384" y="6246886"/>
+            <a:ext cx="389851" cy="338554"/>
+          </a:xfrm>
+          <a:prstGeom prst="rect">
+            <a:avLst/>
+          </a:prstGeom>
+        </p:spPr>
+        <p:txBody>
+          <a:bodyPr wrap="none">
+            <a:spAutoFit/>
+          </a:bodyPr>
+          <a:lstStyle/>
+          <a:p>
+            <a:pPr algn="r" rtl="1"/>
+            <a:r>
+              <a:rPr lang="en-US" sz="1600" b="1" dirty="0" smtClean="0">
+                <a:solidFill>
+                  <a:srgbClr val="000000"/>
+                </a:solidFill>
+                <a:latin typeface="IRANSans"/>
+                <a:cs typeface="B Nazanin" panose="00000400000000000000" pitchFamily="2" charset="-78"/>
+              </a:rPr>
+              <a:t>…</a:t>
+            </a:r>
+            <a:endParaRPr lang="en-US" sz="1600" b="1" dirty="0">
+              <a:solidFill>
+                <a:srgbClr val="000000"/>
+              </a:solidFill>
+              <a:latin typeface="IRANSans"/>
+              <a:cs typeface="B Nazanin" panose="00000400000000000000" pitchFamily="2" charset="-78"/>
+            </a:endParaRPr>
+          </a:p>
+        </p:txBody>
+      </p:sp>
+      <p:sp>
+        <p:nvSpPr>
+          <p:cNvPr id="35" name="Right Brace 34"/>
+          <p:cNvSpPr/>
+          <p:nvPr/>
+        </p:nvSpPr>
+        <p:spPr>
+          <a:xfrm>
+            <a:off x="5904409" y="5181921"/>
+            <a:ext cx="274321" cy="1416582"/>
+          </a:xfrm>
+          <a:prstGeom prst="rightBrace">
+            <a:avLst/>
+          </a:prstGeom>
+          <a:ln>
+            <a:solidFill>
+              <a:srgbClr val="FF0000"/>
+            </a:solidFill>
+          </a:ln>
+        </p:spPr>
+        <p:style>
+          <a:lnRef idx="2">
+            <a:schemeClr val="accent1"/>
+          </a:lnRef>
+          <a:fillRef idx="0">
+            <a:schemeClr val="accent1"/>
+          </a:fillRef>
+          <a:effectRef idx="1">
+            <a:schemeClr val="accent1"/>
+          </a:effectRef>
+          <a:fontRef idx="minor">
+            <a:schemeClr val="tx1"/>
+          </a:fontRef>
+        </p:style>
+        <p:txBody>
+          <a:bodyPr rtlCol="0" anchor="ctr"/>
+          <a:lstStyle/>
+          <a:p>
+            <a:pPr algn="ctr"/>
+            <a:endParaRPr lang="en-US"/>
           </a:p>
         </p:txBody>
       </p:sp>
@@ -9706,30 +11365,69 @@
         </p:nvSpPr>
         <p:spPr>
           <a:xfrm>
-            <a:off x="1169125" y="425299"/>
-            <a:ext cx="9875520" cy="709749"/>
+            <a:off x="470263" y="425299"/>
+            <a:ext cx="10574382" cy="709749"/>
           </a:xfrm>
         </p:spPr>
         <p:txBody>
           <a:bodyPr>
-            <a:normAutofit fontScale="90000"/>
+            <a:noAutofit/>
           </a:bodyPr>
           <a:lstStyle/>
           <a:p>
-            <a:pPr algn="r"/>
-            <a:r>
-              <a:rPr lang="fa-IR" sz="4800" dirty="0">
-                <a:cs typeface="B Nazanin" panose="00000400000000000000" pitchFamily="2" charset="-78"/>
-              </a:rPr>
-              <a:t>وظایف واحد مدیریت منابع </a:t>
-            </a:r>
-            <a:r>
-              <a:rPr lang="fa-IR" sz="4800" dirty="0" smtClean="0">
-                <a:cs typeface="B Nazanin" panose="00000400000000000000" pitchFamily="2" charset="-78"/>
-              </a:rPr>
-              <a:t>انسانی</a:t>
-            </a:r>
-            <a:endParaRPr lang="en-US" sz="4800" dirty="0">
+            <a:pPr algn="r" rtl="1"/>
+            <a:r>
+              <a:rPr lang="fa-IR" sz="3200" dirty="0" smtClean="0">
+                <a:cs typeface="B Nazanin" panose="00000400000000000000" pitchFamily="2" charset="-78"/>
+              </a:rPr>
+              <a:t>طراحی شغل بر </a:t>
+            </a:r>
+            <a:r>
+              <a:rPr lang="fa-IR" sz="3200" dirty="0">
+                <a:cs typeface="B Nazanin" panose="00000400000000000000" pitchFamily="2" charset="-78"/>
+              </a:rPr>
+              <a:t>اساس </a:t>
+            </a:r>
+            <a:r>
+              <a:rPr lang="fa-IR" sz="3200" dirty="0" smtClean="0">
+                <a:cs typeface="B Nazanin" panose="00000400000000000000" pitchFamily="2" charset="-78"/>
+              </a:rPr>
+              <a:t>مدل</a:t>
+            </a:r>
+            <a:r>
+              <a:rPr lang="en-US" sz="3200" dirty="0" smtClean="0">
+                <a:cs typeface="B Nazanin" panose="00000400000000000000" pitchFamily="2" charset="-78"/>
+              </a:rPr>
+              <a:t>   </a:t>
+            </a:r>
+            <a:r>
+              <a:rPr lang="en-US" sz="3200" b="1" dirty="0" smtClean="0">
+                <a:solidFill>
+                  <a:srgbClr val="FF0000"/>
+                </a:solidFill>
+                <a:cs typeface="B Nazanin" panose="00000400000000000000" pitchFamily="2" charset="-78"/>
+              </a:rPr>
+              <a:t>JCM</a:t>
+            </a:r>
+            <a:r>
+              <a:rPr lang="en-US" sz="3200" dirty="0" smtClean="0">
+                <a:cs typeface="B Nazanin" panose="00000400000000000000" pitchFamily="2" charset="-78"/>
+              </a:rPr>
+              <a:t> </a:t>
+            </a:r>
+            <a:r>
+              <a:rPr lang="fa-IR" sz="3200" dirty="0" smtClean="0">
+                <a:cs typeface="B Nazanin" panose="00000400000000000000" pitchFamily="2" charset="-78"/>
+              </a:rPr>
+              <a:t>هاکمن </a:t>
+            </a:r>
+            <a:r>
+              <a:rPr lang="fa-IR" sz="3200" dirty="0">
+                <a:cs typeface="B Nazanin" panose="00000400000000000000" pitchFamily="2" charset="-78"/>
+              </a:rPr>
+              <a:t>و اولدهام</a:t>
+            </a:r>
+            <a:endParaRPr lang="en-US" sz="3200" dirty="0">
               <a:cs typeface="B Nazanin" panose="00000400000000000000" pitchFamily="2" charset="-78"/>
             </a:endParaRPr>
           </a:p>
@@ -9765,6 +11463,824 @@
           </a:fontRef>
         </p:style>
       </p:cxnSp>
+      <p:grpSp>
+        <p:nvGrpSpPr>
+          <p:cNvPr id="21" name="Group 20"/>
+          <p:cNvGrpSpPr/>
+          <p:nvPr/>
+        </p:nvGrpSpPr>
+        <p:grpSpPr>
+          <a:xfrm>
+            <a:off x="290651" y="2258378"/>
+            <a:ext cx="11629215" cy="4352925"/>
+            <a:chOff x="290651" y="2258378"/>
+            <a:chExt cx="11629215" cy="4352925"/>
+          </a:xfrm>
+        </p:grpSpPr>
+        <p:grpSp>
+          <p:nvGrpSpPr>
+            <p:cNvPr id="5" name="Group 4"/>
+            <p:cNvGrpSpPr/>
+            <p:nvPr/>
+          </p:nvGrpSpPr>
+          <p:grpSpPr>
+            <a:xfrm>
+              <a:off x="5138066" y="2258378"/>
+              <a:ext cx="6781800" cy="4352925"/>
+              <a:chOff x="3658689" y="2062434"/>
+              <a:chExt cx="6781800" cy="4352925"/>
+            </a:xfrm>
+          </p:grpSpPr>
+          <p:pic>
+            <p:nvPicPr>
+              <p:cNvPr id="3" name="Picture 2"/>
+              <p:cNvPicPr>
+                <a:picLocks noChangeAspect="1"/>
+              </p:cNvPicPr>
+              <p:nvPr/>
+            </p:nvPicPr>
+            <p:blipFill>
+              <a:blip r:embed="rId2"/>
+              <a:stretch>
+                <a:fillRect/>
+              </a:stretch>
+            </p:blipFill>
+            <p:spPr>
+              <a:xfrm>
+                <a:off x="3658689" y="2062434"/>
+                <a:ext cx="6781800" cy="4352925"/>
+              </a:xfrm>
+              <a:prstGeom prst="rect">
+                <a:avLst/>
+              </a:prstGeom>
+            </p:spPr>
+          </p:pic>
+          <p:sp>
+            <p:nvSpPr>
+              <p:cNvPr id="4" name="Rectangle 3"/>
+              <p:cNvSpPr/>
+              <p:nvPr/>
+            </p:nvSpPr>
+            <p:spPr>
+              <a:xfrm>
+                <a:off x="9862457" y="4741818"/>
+                <a:ext cx="578032" cy="274320"/>
+              </a:xfrm>
+              <a:prstGeom prst="rect">
+                <a:avLst/>
+              </a:prstGeom>
+              <a:ln>
+                <a:solidFill>
+                  <a:schemeClr val="bg1"/>
+                </a:solidFill>
+              </a:ln>
+            </p:spPr>
+            <p:style>
+              <a:lnRef idx="2">
+                <a:schemeClr val="accent6"/>
+              </a:lnRef>
+              <a:fillRef idx="1">
+                <a:schemeClr val="lt1"/>
+              </a:fillRef>
+              <a:effectRef idx="0">
+                <a:schemeClr val="accent6"/>
+              </a:effectRef>
+              <a:fontRef idx="minor">
+                <a:schemeClr val="dk1"/>
+              </a:fontRef>
+            </p:style>
+            <p:txBody>
+              <a:bodyPr rtlCol="0" anchor="ctr"/>
+              <a:lstStyle/>
+              <a:p>
+                <a:pPr algn="ctr"/>
+                <a:endParaRPr lang="en-US"/>
+              </a:p>
+            </p:txBody>
+          </p:sp>
+        </p:grpSp>
+        <p:sp>
+          <p:nvSpPr>
+            <p:cNvPr id="7" name="Rectangle 6"/>
+            <p:cNvSpPr/>
+            <p:nvPr/>
+          </p:nvSpPr>
+          <p:spPr>
+            <a:xfrm>
+              <a:off x="365759" y="4237395"/>
+              <a:ext cx="5068388" cy="830997"/>
+            </a:xfrm>
+            <a:prstGeom prst="rect">
+              <a:avLst/>
+            </a:prstGeom>
+          </p:spPr>
+          <p:txBody>
+            <a:bodyPr wrap="square">
+              <a:spAutoFit/>
+            </a:bodyPr>
+            <a:lstStyle/>
+            <a:p>
+              <a:pPr algn="just" rtl="1"/>
+              <a:r>
+                <a:rPr lang="fa-IR" sz="1600" dirty="0">
+                  <a:solidFill>
+                    <a:srgbClr val="000000"/>
+                  </a:solidFill>
+                  <a:latin typeface="IRANSans"/>
+                  <a:cs typeface="B Nazanin" panose="00000400000000000000" pitchFamily="2" charset="-78"/>
+                </a:rPr>
+                <a:t>وقتی می‌گوییم فرد باید بتواند در کار خود </a:t>
+              </a:r>
+              <a:r>
+                <a:rPr lang="fa-IR" sz="1600" dirty="0">
+                  <a:solidFill>
+                    <a:srgbClr val="FF0000"/>
+                  </a:solidFill>
+                  <a:latin typeface="IRANSans"/>
+                  <a:cs typeface="B Nazanin" panose="00000400000000000000" pitchFamily="2" charset="-78"/>
+                </a:rPr>
+                <a:t>احساس مسئولیت </a:t>
+              </a:r>
+              <a:r>
+                <a:rPr lang="fa-IR" sz="1600" dirty="0">
+                  <a:solidFill>
+                    <a:srgbClr val="000000"/>
+                  </a:solidFill>
+                  <a:latin typeface="IRANSans"/>
+                  <a:cs typeface="B Nazanin" panose="00000400000000000000" pitchFamily="2" charset="-78"/>
+                </a:rPr>
+                <a:t>کند، طبیعتاً انتظار می‌رود که</a:t>
+              </a:r>
+              <a:r>
+                <a:rPr lang="fa-IR" sz="1600" b="1" dirty="0">
+                  <a:solidFill>
+                    <a:srgbClr val="FF0000"/>
+                  </a:solidFill>
+                  <a:latin typeface="IRANSans"/>
+                  <a:cs typeface="B Nazanin" panose="00000400000000000000" pitchFamily="2" charset="-78"/>
+                </a:rPr>
+                <a:t> اختیار و استقلال </a:t>
+              </a:r>
+              <a:r>
+                <a:rPr lang="fa-IR" sz="1600" dirty="0">
+                  <a:solidFill>
+                    <a:srgbClr val="000000"/>
+                  </a:solidFill>
+                  <a:latin typeface="IRANSans"/>
+                  <a:cs typeface="B Nazanin" panose="00000400000000000000" pitchFamily="2" charset="-78"/>
+                </a:rPr>
+                <a:t>و </a:t>
+              </a:r>
+              <a:r>
+                <a:rPr lang="fa-IR" sz="1600" b="1" dirty="0">
+                  <a:solidFill>
+                    <a:srgbClr val="000000"/>
+                  </a:solidFill>
+                  <a:latin typeface="IRANSans"/>
+                  <a:cs typeface="B Nazanin" panose="00000400000000000000" pitchFamily="2" charset="-78"/>
+                </a:rPr>
+                <a:t>حق تصمیم‌گیری</a:t>
+              </a:r>
+              <a:r>
+                <a:rPr lang="fa-IR" sz="1600" dirty="0">
+                  <a:solidFill>
+                    <a:srgbClr val="000000"/>
+                  </a:solidFill>
+                  <a:latin typeface="IRANSans"/>
+                  <a:cs typeface="B Nazanin" panose="00000400000000000000" pitchFamily="2" charset="-78"/>
+                </a:rPr>
+                <a:t> هم در بعضی حوزه‌ها برایش در نظر گرفته شود</a:t>
+              </a:r>
+              <a:r>
+                <a:rPr lang="fa-IR" sz="1600" dirty="0" smtClean="0">
+                  <a:solidFill>
+                    <a:srgbClr val="000000"/>
+                  </a:solidFill>
+                  <a:latin typeface="IRANSans"/>
+                  <a:cs typeface="B Nazanin" panose="00000400000000000000" pitchFamily="2" charset="-78"/>
+                </a:rPr>
+                <a:t>.</a:t>
+              </a:r>
+              <a:endParaRPr lang="en-US" sz="1600" dirty="0">
+                <a:solidFill>
+                  <a:srgbClr val="000000"/>
+                </a:solidFill>
+                <a:latin typeface="IRANSans"/>
+                <a:cs typeface="B Nazanin" panose="00000400000000000000" pitchFamily="2" charset="-78"/>
+              </a:endParaRPr>
+            </a:p>
+          </p:txBody>
+        </p:sp>
+        <p:sp>
+          <p:nvSpPr>
+            <p:cNvPr id="9" name="Rectangle 8"/>
+            <p:cNvSpPr/>
+            <p:nvPr/>
+          </p:nvSpPr>
+          <p:spPr>
+            <a:xfrm>
+              <a:off x="799010" y="5187710"/>
+              <a:ext cx="8373292" cy="338554"/>
+            </a:xfrm>
+            <a:prstGeom prst="rect">
+              <a:avLst/>
+            </a:prstGeom>
+            <a:solidFill>
+              <a:srgbClr val="FFFFCC"/>
+            </a:solidFill>
+          </p:spPr>
+          <p:style>
+            <a:lnRef idx="2">
+              <a:schemeClr val="accent3"/>
+            </a:lnRef>
+            <a:fillRef idx="1">
+              <a:schemeClr val="lt1"/>
+            </a:fillRef>
+            <a:effectRef idx="0">
+              <a:schemeClr val="accent3"/>
+            </a:effectRef>
+            <a:fontRef idx="minor">
+              <a:schemeClr val="dk1"/>
+            </a:fontRef>
+          </p:style>
+          <p:txBody>
+            <a:bodyPr wrap="square">
+              <a:spAutoFit/>
+            </a:bodyPr>
+            <a:lstStyle/>
+            <a:p>
+              <a:pPr algn="just" rtl="1"/>
+              <a:r>
+                <a:rPr lang="fa-IR" sz="1600" dirty="0">
+                  <a:solidFill>
+                    <a:srgbClr val="000000"/>
+                  </a:solidFill>
+                  <a:latin typeface="IRANSans"/>
+                  <a:cs typeface="B Nazanin" panose="00000400000000000000" pitchFamily="2" charset="-78"/>
+                </a:rPr>
+                <a:t> اگر شما در اجرای یک کار، هیچ اختیار و انتخابی نداشته باشید، طبیعی است که خود را مسئول نتایج به دست آمده نخواهید دانست. </a:t>
+              </a:r>
+              <a:endParaRPr lang="en-US" sz="1600" dirty="0">
+                <a:solidFill>
+                  <a:srgbClr val="000000"/>
+                </a:solidFill>
+                <a:latin typeface="IRANSans"/>
+                <a:cs typeface="B Nazanin" panose="00000400000000000000" pitchFamily="2" charset="-78"/>
+              </a:endParaRPr>
+            </a:p>
+          </p:txBody>
+        </p:sp>
+        <p:sp>
+          <p:nvSpPr>
+            <p:cNvPr id="10" name="Rectangle 9"/>
+            <p:cNvSpPr/>
+            <p:nvPr/>
+          </p:nvSpPr>
+          <p:spPr>
+            <a:xfrm>
+              <a:off x="316776" y="2454051"/>
+              <a:ext cx="5042263" cy="338554"/>
+            </a:xfrm>
+            <a:prstGeom prst="rect">
+              <a:avLst/>
+            </a:prstGeom>
+          </p:spPr>
+          <p:txBody>
+            <a:bodyPr wrap="square">
+              <a:spAutoFit/>
+            </a:bodyPr>
+            <a:lstStyle/>
+            <a:p>
+              <a:pPr algn="just" rtl="1"/>
+              <a:r>
+                <a:rPr lang="fa-IR" sz="1600" dirty="0">
+                  <a:solidFill>
+                    <a:srgbClr val="000000"/>
+                  </a:solidFill>
+                  <a:latin typeface="IRANSans"/>
+                  <a:cs typeface="B Nazanin" panose="00000400000000000000" pitchFamily="2" charset="-78"/>
+                </a:rPr>
+                <a:t>اگر فردا سر کار نروید، اتفاق خاصی می‌افتد یا همه‌ چیز مثل قبل پیش می‌رود؟</a:t>
+              </a:r>
+              <a:endParaRPr lang="en-US" sz="1600" dirty="0">
+                <a:solidFill>
+                  <a:srgbClr val="000000"/>
+                </a:solidFill>
+                <a:latin typeface="IRANSans"/>
+                <a:cs typeface="B Nazanin" panose="00000400000000000000" pitchFamily="2" charset="-78"/>
+              </a:endParaRPr>
+            </a:p>
+          </p:txBody>
+        </p:sp>
+        <p:sp>
+          <p:nvSpPr>
+            <p:cNvPr id="11" name="Rectangle 10"/>
+            <p:cNvSpPr/>
+            <p:nvPr/>
+          </p:nvSpPr>
+          <p:spPr>
+            <a:xfrm>
+              <a:off x="290651" y="2928639"/>
+              <a:ext cx="5068388" cy="584775"/>
+            </a:xfrm>
+            <a:prstGeom prst="rect">
+              <a:avLst/>
+            </a:prstGeom>
+          </p:spPr>
+          <p:txBody>
+            <a:bodyPr wrap="square">
+              <a:spAutoFit/>
+            </a:bodyPr>
+            <a:lstStyle/>
+            <a:p>
+              <a:pPr algn="just" rtl="1"/>
+              <a:r>
+                <a:rPr lang="fa-IR" sz="1600" dirty="0">
+                  <a:solidFill>
+                    <a:srgbClr val="000000"/>
+                  </a:solidFill>
+                  <a:latin typeface="IRANSans"/>
+                  <a:cs typeface="B Nazanin" panose="00000400000000000000" pitchFamily="2" charset="-78"/>
+                </a:rPr>
+                <a:t>ک</a:t>
+              </a:r>
+              <a:r>
+                <a:rPr lang="fa-IR" sz="1600" dirty="0" smtClean="0">
+                  <a:solidFill>
+                    <a:srgbClr val="000000"/>
+                  </a:solidFill>
+                  <a:latin typeface="IRANSans"/>
+                  <a:cs typeface="B Nazanin" panose="00000400000000000000" pitchFamily="2" charset="-78"/>
+                </a:rPr>
+                <a:t>ارها </a:t>
+              </a:r>
+              <a:r>
+                <a:rPr lang="fa-IR" sz="1600" dirty="0">
+                  <a:solidFill>
+                    <a:srgbClr val="000000"/>
+                  </a:solidFill>
+                  <a:latin typeface="IRANSans"/>
+                  <a:cs typeface="B Nazanin" panose="00000400000000000000" pitchFamily="2" charset="-78"/>
+                </a:rPr>
+                <a:t>را به شکلی خُرد نکنیم یا خُرده‌کاری‌ها را به شکلی بر روی شانه‌های یک فرد انباشته نکنیم که نتواند توصیف دقیقی از کار خود ارائه </a:t>
+              </a:r>
+              <a:r>
+                <a:rPr lang="fa-IR" sz="1600" dirty="0" smtClean="0">
+                  <a:solidFill>
+                    <a:srgbClr val="000000"/>
+                  </a:solidFill>
+                  <a:latin typeface="IRANSans"/>
+                  <a:cs typeface="B Nazanin" panose="00000400000000000000" pitchFamily="2" charset="-78"/>
+                </a:rPr>
+                <a:t>دهد .</a:t>
+              </a:r>
+              <a:endParaRPr lang="en-US" sz="1600" dirty="0">
+                <a:solidFill>
+                  <a:srgbClr val="000000"/>
+                </a:solidFill>
+                <a:latin typeface="IRANSans"/>
+                <a:cs typeface="B Nazanin" panose="00000400000000000000" pitchFamily="2" charset="-78"/>
+              </a:endParaRPr>
+            </a:p>
+          </p:txBody>
+        </p:sp>
+        <p:sp>
+          <p:nvSpPr>
+            <p:cNvPr id="12" name="Rectangle 11"/>
+            <p:cNvSpPr/>
+            <p:nvPr/>
+          </p:nvSpPr>
+          <p:spPr>
+            <a:xfrm>
+              <a:off x="316776" y="3593401"/>
+              <a:ext cx="4393480" cy="338554"/>
+            </a:xfrm>
+            <a:prstGeom prst="rect">
+              <a:avLst/>
+            </a:prstGeom>
+          </p:spPr>
+          <p:txBody>
+            <a:bodyPr wrap="square">
+              <a:spAutoFit/>
+            </a:bodyPr>
+            <a:lstStyle/>
+            <a:p>
+              <a:pPr algn="just" rtl="1"/>
+              <a:r>
+                <a:rPr lang="fa-IR" sz="1600" dirty="0" smtClean="0">
+                  <a:solidFill>
+                    <a:srgbClr val="000000"/>
+                  </a:solidFill>
+                  <a:latin typeface="IRANSans"/>
+                  <a:cs typeface="B Nazanin" panose="00000400000000000000" pitchFamily="2" charset="-78"/>
+                </a:rPr>
+                <a:t>فرد </a:t>
+              </a:r>
+              <a:r>
+                <a:rPr lang="fa-IR" sz="1600" dirty="0">
+                  <a:solidFill>
+                    <a:srgbClr val="000000"/>
+                  </a:solidFill>
+                  <a:latin typeface="IRANSans"/>
+                  <a:cs typeface="B Nazanin" panose="00000400000000000000" pitchFamily="2" charset="-78"/>
+                </a:rPr>
+                <a:t>بتواند توانمندی‌ها و استعدادهای متنوع‌تری را به خدمت </a:t>
+              </a:r>
+              <a:r>
+                <a:rPr lang="fa-IR" sz="1600" dirty="0" smtClean="0">
+                  <a:solidFill>
+                    <a:srgbClr val="000000"/>
+                  </a:solidFill>
+                  <a:latin typeface="IRANSans"/>
+                  <a:cs typeface="B Nazanin" panose="00000400000000000000" pitchFamily="2" charset="-78"/>
+                </a:rPr>
+                <a:t>بگیرد .</a:t>
+              </a:r>
+              <a:endParaRPr lang="en-US" sz="1600" dirty="0">
+                <a:solidFill>
+                  <a:srgbClr val="000000"/>
+                </a:solidFill>
+                <a:latin typeface="IRANSans"/>
+                <a:cs typeface="B Nazanin" panose="00000400000000000000" pitchFamily="2" charset="-78"/>
+              </a:endParaRPr>
+            </a:p>
+          </p:txBody>
+        </p:sp>
+        <p:sp>
+          <p:nvSpPr>
+            <p:cNvPr id="13" name="Rectangle 12"/>
+            <p:cNvSpPr/>
+            <p:nvPr/>
+          </p:nvSpPr>
+          <p:spPr>
+            <a:xfrm>
+              <a:off x="365759" y="5805718"/>
+              <a:ext cx="4990010" cy="584775"/>
+            </a:xfrm>
+            <a:prstGeom prst="rect">
+              <a:avLst/>
+            </a:prstGeom>
+          </p:spPr>
+          <p:txBody>
+            <a:bodyPr wrap="square">
+              <a:spAutoFit/>
+            </a:bodyPr>
+            <a:lstStyle/>
+            <a:p>
+              <a:pPr algn="just" rtl="1"/>
+              <a:r>
+                <a:rPr lang="fa-IR" sz="1600" dirty="0" smtClean="0">
+                  <a:solidFill>
+                    <a:srgbClr val="000000"/>
+                  </a:solidFill>
+                  <a:latin typeface="IRANSans"/>
+                  <a:cs typeface="B Nazanin" panose="00000400000000000000" pitchFamily="2" charset="-78"/>
+                </a:rPr>
+                <a:t>اینکه فرد بهتر است با کارفرما ( حتی غیر مستقیم ) ارتباط داشته باشد به دلیل اطلاع از نتیجه کار خود و دریافت بازخورد می باشد . </a:t>
+              </a:r>
+              <a:endParaRPr lang="en-US" sz="1600" dirty="0">
+                <a:solidFill>
+                  <a:srgbClr val="000000"/>
+                </a:solidFill>
+                <a:latin typeface="IRANSans"/>
+                <a:cs typeface="B Nazanin" panose="00000400000000000000" pitchFamily="2" charset="-78"/>
+              </a:endParaRPr>
+            </a:p>
+          </p:txBody>
+        </p:sp>
+        <p:cxnSp>
+          <p:nvCxnSpPr>
+            <p:cNvPr id="15" name="Straight Arrow Connector 14"/>
+            <p:cNvCxnSpPr/>
+            <p:nvPr/>
+          </p:nvCxnSpPr>
+          <p:spPr>
+            <a:xfrm flipH="1">
+              <a:off x="5391694" y="2610265"/>
+              <a:ext cx="378823" cy="0"/>
+            </a:xfrm>
+            <a:prstGeom prst="straightConnector1">
+              <a:avLst/>
+            </a:prstGeom>
+            <a:ln w="38100">
+              <a:solidFill>
+                <a:srgbClr val="FF0000"/>
+              </a:solidFill>
+              <a:tailEnd type="triangle"/>
+            </a:ln>
+          </p:spPr>
+          <p:style>
+            <a:lnRef idx="1">
+              <a:schemeClr val="accent1"/>
+            </a:lnRef>
+            <a:fillRef idx="0">
+              <a:schemeClr val="accent1"/>
+            </a:fillRef>
+            <a:effectRef idx="0">
+              <a:schemeClr val="accent1"/>
+            </a:effectRef>
+            <a:fontRef idx="minor">
+              <a:schemeClr val="tx1"/>
+            </a:fontRef>
+          </p:style>
+        </p:cxnSp>
+        <p:cxnSp>
+          <p:nvCxnSpPr>
+            <p:cNvPr id="16" name="Straight Arrow Connector 15"/>
+            <p:cNvCxnSpPr/>
+            <p:nvPr/>
+          </p:nvCxnSpPr>
+          <p:spPr>
+            <a:xfrm flipH="1">
+              <a:off x="4796244" y="3736552"/>
+              <a:ext cx="378823" cy="0"/>
+            </a:xfrm>
+            <a:prstGeom prst="straightConnector1">
+              <a:avLst/>
+            </a:prstGeom>
+            <a:ln w="38100">
+              <a:solidFill>
+                <a:srgbClr val="FF0000"/>
+              </a:solidFill>
+              <a:tailEnd type="triangle"/>
+            </a:ln>
+          </p:spPr>
+          <p:style>
+            <a:lnRef idx="1">
+              <a:schemeClr val="accent1"/>
+            </a:lnRef>
+            <a:fillRef idx="0">
+              <a:schemeClr val="accent1"/>
+            </a:fillRef>
+            <a:effectRef idx="0">
+              <a:schemeClr val="accent1"/>
+            </a:effectRef>
+            <a:fontRef idx="minor">
+              <a:schemeClr val="tx1"/>
+            </a:fontRef>
+          </p:style>
+        </p:cxnSp>
+        <p:cxnSp>
+          <p:nvCxnSpPr>
+            <p:cNvPr id="17" name="Straight Arrow Connector 16"/>
+            <p:cNvCxnSpPr/>
+            <p:nvPr/>
+          </p:nvCxnSpPr>
+          <p:spPr>
+            <a:xfrm flipH="1">
+              <a:off x="5417820" y="3168774"/>
+              <a:ext cx="378823" cy="0"/>
+            </a:xfrm>
+            <a:prstGeom prst="straightConnector1">
+              <a:avLst/>
+            </a:prstGeom>
+            <a:ln w="38100">
+              <a:solidFill>
+                <a:srgbClr val="FF0000"/>
+              </a:solidFill>
+              <a:tailEnd type="triangle"/>
+            </a:ln>
+          </p:spPr>
+          <p:style>
+            <a:lnRef idx="1">
+              <a:schemeClr val="accent1"/>
+            </a:lnRef>
+            <a:fillRef idx="0">
+              <a:schemeClr val="accent1"/>
+            </a:fillRef>
+            <a:effectRef idx="0">
+              <a:schemeClr val="accent1"/>
+            </a:effectRef>
+            <a:fontRef idx="minor">
+              <a:schemeClr val="tx1"/>
+            </a:fontRef>
+          </p:style>
+        </p:cxnSp>
+        <p:cxnSp>
+          <p:nvCxnSpPr>
+            <p:cNvPr id="18" name="Straight Arrow Connector 17"/>
+            <p:cNvCxnSpPr/>
+            <p:nvPr/>
+          </p:nvCxnSpPr>
+          <p:spPr>
+            <a:xfrm flipH="1">
+              <a:off x="5457010" y="4652893"/>
+              <a:ext cx="352696" cy="0"/>
+            </a:xfrm>
+            <a:prstGeom prst="straightConnector1">
+              <a:avLst/>
+            </a:prstGeom>
+            <a:ln w="38100">
+              <a:solidFill>
+                <a:srgbClr val="FF0000"/>
+              </a:solidFill>
+              <a:tailEnd type="triangle"/>
+            </a:ln>
+          </p:spPr>
+          <p:style>
+            <a:lnRef idx="1">
+              <a:schemeClr val="accent1"/>
+            </a:lnRef>
+            <a:fillRef idx="0">
+              <a:schemeClr val="accent1"/>
+            </a:fillRef>
+            <a:effectRef idx="0">
+              <a:schemeClr val="accent1"/>
+            </a:effectRef>
+            <a:fontRef idx="minor">
+              <a:schemeClr val="tx1"/>
+            </a:fontRef>
+          </p:style>
+        </p:cxnSp>
+        <p:cxnSp>
+          <p:nvCxnSpPr>
+            <p:cNvPr id="20" name="Straight Arrow Connector 19"/>
+            <p:cNvCxnSpPr/>
+            <p:nvPr/>
+          </p:nvCxnSpPr>
+          <p:spPr>
+            <a:xfrm flipH="1">
+              <a:off x="5443947" y="6113684"/>
+              <a:ext cx="352696" cy="0"/>
+            </a:xfrm>
+            <a:prstGeom prst="straightConnector1">
+              <a:avLst/>
+            </a:prstGeom>
+            <a:ln w="38100">
+              <a:solidFill>
+                <a:srgbClr val="FF0000"/>
+              </a:solidFill>
+              <a:tailEnd type="triangle"/>
+            </a:ln>
+          </p:spPr>
+          <p:style>
+            <a:lnRef idx="1">
+              <a:schemeClr val="accent1"/>
+            </a:lnRef>
+            <a:fillRef idx="0">
+              <a:schemeClr val="accent1"/>
+            </a:fillRef>
+            <a:effectRef idx="0">
+              <a:schemeClr val="accent1"/>
+            </a:effectRef>
+            <a:fontRef idx="minor">
+              <a:schemeClr val="tx1"/>
+            </a:fontRef>
+          </p:style>
+        </p:cxnSp>
+      </p:grpSp>
+      <p:sp>
+        <p:nvSpPr>
+          <p:cNvPr id="6" name="Rectangle 5"/>
+          <p:cNvSpPr/>
+          <p:nvPr/>
+        </p:nvSpPr>
+        <p:spPr>
+          <a:xfrm>
+            <a:off x="470264" y="1356002"/>
+            <a:ext cx="11025050" cy="1015663"/>
+          </a:xfrm>
+          <a:prstGeom prst="rect">
+            <a:avLst/>
+          </a:prstGeom>
+        </p:spPr>
+        <p:txBody>
+          <a:bodyPr wrap="square">
+            <a:spAutoFit/>
+          </a:bodyPr>
+          <a:lstStyle/>
+          <a:p>
+            <a:pPr algn="r" rtl="1"/>
+            <a:r>
+              <a:rPr lang="fa-IR" sz="2000" dirty="0">
+                <a:solidFill>
+                  <a:srgbClr val="000000"/>
+                </a:solidFill>
+                <a:latin typeface="IRANSans"/>
+                <a:cs typeface="B Nazanin" panose="00000400000000000000" pitchFamily="2" charset="-78"/>
+              </a:rPr>
+              <a:t>اگر دنبال آن </a:t>
+            </a:r>
+            <a:r>
+              <a:rPr lang="fa-IR" sz="2000" dirty="0">
+                <a:solidFill>
+                  <a:srgbClr val="C4161C"/>
+                </a:solidFill>
+                <a:latin typeface="IRANSans"/>
+                <a:cs typeface="B Nazanin" panose="00000400000000000000" pitchFamily="2" charset="-78"/>
+              </a:rPr>
+              <a:t>چهار هدف اصلی</a:t>
+            </a:r>
+            <a:r>
+              <a:rPr lang="fa-IR" sz="2000" dirty="0">
+                <a:solidFill>
+                  <a:srgbClr val="000000"/>
+                </a:solidFill>
+                <a:latin typeface="IRANSans"/>
+                <a:cs typeface="B Nazanin" panose="00000400000000000000" pitchFamily="2" charset="-78"/>
+              </a:rPr>
+              <a:t> (انگیزه، رضایت، عملکرد، کاهش فاصله‌ی شغل و شاغل) هستید، باید</a:t>
+            </a:r>
+            <a:r>
+              <a:rPr lang="en-US" sz="2000" dirty="0">
+                <a:solidFill>
+                  <a:srgbClr val="000000"/>
+                </a:solidFill>
+                <a:latin typeface="IRANSans"/>
+                <a:cs typeface="B Nazanin" panose="00000400000000000000" pitchFamily="2" charset="-78"/>
+              </a:rPr>
+              <a:t>  </a:t>
+            </a:r>
+            <a:r>
+              <a:rPr lang="fa-IR" sz="2000" dirty="0">
+                <a:solidFill>
+                  <a:srgbClr val="000000"/>
+                </a:solidFill>
+                <a:latin typeface="IRANSans"/>
+                <a:cs typeface="B Nazanin" panose="00000400000000000000" pitchFamily="2" charset="-78"/>
+              </a:rPr>
+              <a:t>در طراحی شغل بکوشید  </a:t>
+            </a:r>
+            <a:r>
+              <a:rPr lang="fa-IR" sz="2000" dirty="0" smtClean="0">
+                <a:solidFill>
+                  <a:srgbClr val="000000"/>
+                </a:solidFill>
+                <a:latin typeface="IRANSans"/>
+                <a:cs typeface="B Nazanin" panose="00000400000000000000" pitchFamily="2" charset="-78"/>
+              </a:rPr>
+              <a:t>3 اصل </a:t>
+            </a:r>
+            <a:r>
+              <a:rPr lang="fa-IR" sz="2000" dirty="0">
+                <a:solidFill>
+                  <a:srgbClr val="000000"/>
+                </a:solidFill>
+                <a:latin typeface="IRANSans"/>
+                <a:cs typeface="B Nazanin" panose="00000400000000000000" pitchFamily="2" charset="-78"/>
+              </a:rPr>
+              <a:t>را در نظر بگیرید :  </a:t>
+            </a:r>
+            <a:r>
+              <a:rPr lang="fa-IR" sz="2000" b="1" dirty="0" smtClean="0">
+                <a:solidFill>
+                  <a:srgbClr val="000000"/>
+                </a:solidFill>
+                <a:latin typeface="IRANSans"/>
+                <a:cs typeface="B Nazanin" panose="00000400000000000000" pitchFamily="2" charset="-78"/>
+              </a:rPr>
+              <a:t>شغل</a:t>
+            </a:r>
+            <a:r>
+              <a:rPr lang="fa-IR" sz="2000" b="1" dirty="0">
+                <a:solidFill>
+                  <a:srgbClr val="000000"/>
+                </a:solidFill>
+                <a:latin typeface="IRANSans"/>
+                <a:cs typeface="B Nazanin" panose="00000400000000000000" pitchFamily="2" charset="-78"/>
+              </a:rPr>
+              <a:t> در ذهن فرد شاغل، تا حد امکان معنا و مفهوم داشته باشد.</a:t>
+            </a:r>
+            <a:r>
+              <a:rPr lang="en-US" sz="2000" b="1" dirty="0">
+                <a:solidFill>
+                  <a:srgbClr val="000000"/>
+                </a:solidFill>
+                <a:latin typeface="IRANSans"/>
+                <a:cs typeface="B Nazanin" panose="00000400000000000000" pitchFamily="2" charset="-78"/>
+              </a:rPr>
+              <a:t> </a:t>
+            </a:r>
+            <a:r>
+              <a:rPr lang="fa-IR" sz="2000" b="1" dirty="0">
+                <a:solidFill>
+                  <a:srgbClr val="000000"/>
+                </a:solidFill>
+                <a:latin typeface="IRANSans"/>
+                <a:cs typeface="B Nazanin" panose="00000400000000000000" pitchFamily="2" charset="-78"/>
+              </a:rPr>
+              <a:t>فرد از نتیجه‌ی فعالیت‌هایش مطلع شده و بتواند مسئولیت کارش را نیز بپذیرد</a:t>
+            </a:r>
+            <a:r>
+              <a:rPr lang="fa-IR" sz="2000" dirty="0">
+                <a:solidFill>
+                  <a:srgbClr val="000000"/>
+                </a:solidFill>
+                <a:latin typeface="IRANSans"/>
+                <a:cs typeface="B Nazanin" panose="00000400000000000000" pitchFamily="2" charset="-78"/>
+              </a:rPr>
+              <a:t>.</a:t>
+            </a:r>
+            <a:endParaRPr lang="en-US" sz="2000" dirty="0">
+              <a:solidFill>
+                <a:srgbClr val="000000"/>
+              </a:solidFill>
+              <a:latin typeface="IRANSans"/>
+              <a:cs typeface="B Nazanin" panose="00000400000000000000" pitchFamily="2" charset="-78"/>
+            </a:endParaRPr>
+          </a:p>
+        </p:txBody>
+      </p:sp>
     </p:spTree>
     <p:extLst>
       <p:ext uri="{BB962C8B-B14F-4D97-AF65-F5344CB8AC3E}">
@@ -10348,20 +12864,20 @@
 </file>
 
 <file path=customXml/item2.xml><?xml version="1.0" encoding="utf-8"?>
+<p:properties xmlns:p="http://schemas.microsoft.com/office/2006/metadata/properties" xmlns:xsi="http://www.w3.org/2001/XMLSchema-instance" xmlns:pc="http://schemas.microsoft.com/office/infopath/2007/PartnerControls">
+  <documentManagement>
+    <MediaServiceKeyPoints xmlns="71af3243-3dd4-4a8d-8c0d-dd76da1f02a5" xsi:nil="true"/>
+  </documentManagement>
+</p:properties>
+</file>
+
+<file path=customXml/item3.xml><?xml version="1.0" encoding="utf-8"?>
 <?mso-contentType ?>
 <FormTemplates xmlns="http://schemas.microsoft.com/sharepoint/v3/contenttype/forms">
   <Display>DocumentLibraryForm</Display>
   <Edit>DocumentLibraryForm</Edit>
   <New>DocumentLibraryForm</New>
 </FormTemplates>
-</file>
-
-<file path=customXml/item3.xml><?xml version="1.0" encoding="utf-8"?>
-<p:properties xmlns:p="http://schemas.microsoft.com/office/2006/metadata/properties" xmlns:xsi="http://www.w3.org/2001/XMLSchema-instance" xmlns:pc="http://schemas.microsoft.com/office/infopath/2007/PartnerControls">
-  <documentManagement>
-    <MediaServiceKeyPoints xmlns="71af3243-3dd4-4a8d-8c0d-dd76da1f02a5" xsi:nil="true"/>
-  </documentManagement>
-</p:properties>
 </file>
 
 <file path=customXml/itemProps1.xml><?xml version="1.0" encoding="utf-8"?>
@@ -10384,14 +12900,6 @@
 </file>
 
 <file path=customXml/itemProps2.xml><?xml version="1.0" encoding="utf-8"?>
-<ds:datastoreItem xmlns:ds="http://schemas.openxmlformats.org/officeDocument/2006/customXml" ds:itemID="{204E1485-0760-4ABF-A612-28A97B86DF09}">
-  <ds:schemaRefs>
-    <ds:schemaRef ds:uri="http://schemas.microsoft.com/sharepoint/v3/contenttype/forms"/>
-  </ds:schemaRefs>
-</ds:datastoreItem>
-</file>
-
-<file path=customXml/itemProps3.xml><?xml version="1.0" encoding="utf-8"?>
 <ds:datastoreItem xmlns:ds="http://schemas.openxmlformats.org/officeDocument/2006/customXml" ds:itemID="{4965EBD3-98B5-4FD2-8FAF-5D4022A9F7F4}">
   <ds:schemaRefs>
     <ds:schemaRef ds:uri="http://purl.org/dc/elements/1.1/"/>
@@ -10406,4 +12914,12 @@
     <ds:schemaRef ds:uri="http://purl.org/dc/dcmitype/"/>
   </ds:schemaRefs>
 </ds:datastoreItem>
+</file>
+
+<file path=customXml/itemProps3.xml><?xml version="1.0" encoding="utf-8"?>
+<ds:datastoreItem xmlns:ds="http://schemas.openxmlformats.org/officeDocument/2006/customXml" ds:itemID="{204E1485-0760-4ABF-A612-28A97B86DF09}">
+  <ds:schemaRefs>
+    <ds:schemaRef ds:uri="http://schemas.microsoft.com/sharepoint/v3/contenttype/forms"/>
+  </ds:schemaRefs>
+</ds:datastoreItem>
 </file>